--- a/Quiz 01 - Word count & TF-IDF/Unavailable Team _Quiz1.pptx
+++ b/Quiz 01 - Word count & TF-IDF/Unavailable Team _Quiz1.pptx
@@ -9,41 +9,43 @@
     <p:sldId id="257" r:id="rId3"/>
     <p:sldId id="258" r:id="rId4"/>
     <p:sldId id="259" r:id="rId5"/>
-    <p:sldId id="260" r:id="rId6"/>
-    <p:sldId id="261" r:id="rId7"/>
-    <p:sldId id="262" r:id="rId8"/>
-    <p:sldId id="263" r:id="rId9"/>
-    <p:sldId id="264" r:id="rId10"/>
+    <p:sldId id="267" r:id="rId6"/>
+    <p:sldId id="260" r:id="rId7"/>
+    <p:sldId id="261" r:id="rId8"/>
+    <p:sldId id="269" r:id="rId9"/>
+    <p:sldId id="262" r:id="rId10"/>
+    <p:sldId id="263" r:id="rId11"/>
+    <p:sldId id="264" r:id="rId12"/>
   </p:sldIdLst>
   <p:sldSz cx="18288000" cy="10287000"/>
   <p:notesSz cx="6858000" cy="9144000"/>
   <p:embeddedFontLst>
     <p:embeddedFont>
       <p:font typeface="Assistant Regular" panose="020B0604020202020204" charset="-79"/>
-      <p:regular r:id="rId11"/>
+      <p:regular r:id="rId13"/>
     </p:embeddedFont>
     <p:embeddedFont>
       <p:font typeface="Assistant Regular Bold" panose="020B0604020202020204" charset="-79"/>
-      <p:regular r:id="rId12"/>
+      <p:regular r:id="rId14"/>
     </p:embeddedFont>
     <p:embeddedFont>
       <p:font typeface="Berkshire Swash" panose="020B0604020202020204" charset="0"/>
-      <p:regular r:id="rId13"/>
+      <p:regular r:id="rId15"/>
     </p:embeddedFont>
     <p:embeddedFont>
       <p:font typeface="Calibri" panose="020F0502020204030204" pitchFamily="34" charset="0"/>
-      <p:regular r:id="rId14"/>
-      <p:bold r:id="rId15"/>
-      <p:italic r:id="rId16"/>
-      <p:boldItalic r:id="rId17"/>
+      <p:regular r:id="rId16"/>
+      <p:bold r:id="rId17"/>
+      <p:italic r:id="rId18"/>
+      <p:boldItalic r:id="rId19"/>
     </p:embeddedFont>
     <p:embeddedFont>
       <p:font typeface="Pridi ExtraLight" panose="00000300000000000000" pitchFamily="2" charset="-34"/>
-      <p:regular r:id="rId18"/>
+      <p:regular r:id="rId20"/>
     </p:embeddedFont>
     <p:embeddedFont>
       <p:font typeface="Pridi Regular" panose="020B0604020202020204" charset="-34"/>
-      <p:regular r:id="rId19"/>
+      <p:regular r:id="rId21"/>
     </p:embeddedFont>
   </p:embeddedFontLst>
   <p:defaultTextStyle>
@@ -340,7 +342,7 @@
             <a:fld id="{1D8BD707-D9CF-40AE-B4C6-C98DA3205C09}" type="datetimeFigureOut">
               <a:rPr lang="en-US" smtClean="0"/>
               <a:pPr/>
-              <a:t>09/24/2021</a:t>
+              <a:t>9/25/2021</a:t>
             </a:fld>
             <a:endParaRPr lang="en-US"/>
           </a:p>
@@ -505,7 +507,7 @@
             <a:fld id="{1D8BD707-D9CF-40AE-B4C6-C98DA3205C09}" type="datetimeFigureOut">
               <a:rPr lang="en-US" smtClean="0"/>
               <a:pPr/>
-              <a:t>09/24/2021</a:t>
+              <a:t>9/25/2021</a:t>
             </a:fld>
             <a:endParaRPr lang="en-US"/>
           </a:p>
@@ -680,7 +682,7 @@
             <a:fld id="{1D8BD707-D9CF-40AE-B4C6-C98DA3205C09}" type="datetimeFigureOut">
               <a:rPr lang="en-US" smtClean="0"/>
               <a:pPr/>
-              <a:t>09/24/2021</a:t>
+              <a:t>9/25/2021</a:t>
             </a:fld>
             <a:endParaRPr lang="en-US"/>
           </a:p>
@@ -845,7 +847,7 @@
             <a:fld id="{1D8BD707-D9CF-40AE-B4C6-C98DA3205C09}" type="datetimeFigureOut">
               <a:rPr lang="en-US" smtClean="0"/>
               <a:pPr/>
-              <a:t>09/24/2021</a:t>
+              <a:t>9/25/2021</a:t>
             </a:fld>
             <a:endParaRPr lang="en-US"/>
           </a:p>
@@ -1087,7 +1089,7 @@
             <a:fld id="{1D8BD707-D9CF-40AE-B4C6-C98DA3205C09}" type="datetimeFigureOut">
               <a:rPr lang="en-US" smtClean="0"/>
               <a:pPr/>
-              <a:t>09/24/2021</a:t>
+              <a:t>9/25/2021</a:t>
             </a:fld>
             <a:endParaRPr lang="en-US"/>
           </a:p>
@@ -1369,7 +1371,7 @@
             <a:fld id="{1D8BD707-D9CF-40AE-B4C6-C98DA3205C09}" type="datetimeFigureOut">
               <a:rPr lang="en-US" smtClean="0"/>
               <a:pPr/>
-              <a:t>09/24/2021</a:t>
+              <a:t>9/25/2021</a:t>
             </a:fld>
             <a:endParaRPr lang="en-US"/>
           </a:p>
@@ -1785,7 +1787,7 @@
             <a:fld id="{1D8BD707-D9CF-40AE-B4C6-C98DA3205C09}" type="datetimeFigureOut">
               <a:rPr lang="en-US" smtClean="0"/>
               <a:pPr/>
-              <a:t>09/24/2021</a:t>
+              <a:t>9/25/2021</a:t>
             </a:fld>
             <a:endParaRPr lang="en-US"/>
           </a:p>
@@ -1899,7 +1901,7 @@
             <a:fld id="{1D8BD707-D9CF-40AE-B4C6-C98DA3205C09}" type="datetimeFigureOut">
               <a:rPr lang="en-US" smtClean="0"/>
               <a:pPr/>
-              <a:t>09/24/2021</a:t>
+              <a:t>9/25/2021</a:t>
             </a:fld>
             <a:endParaRPr lang="en-US"/>
           </a:p>
@@ -1991,7 +1993,7 @@
             <a:fld id="{1D8BD707-D9CF-40AE-B4C6-C98DA3205C09}" type="datetimeFigureOut">
               <a:rPr lang="en-US" smtClean="0"/>
               <a:pPr/>
-              <a:t>09/24/2021</a:t>
+              <a:t>9/25/2021</a:t>
             </a:fld>
             <a:endParaRPr lang="en-US"/>
           </a:p>
@@ -2263,7 +2265,7 @@
             <a:fld id="{1D8BD707-D9CF-40AE-B4C6-C98DA3205C09}" type="datetimeFigureOut">
               <a:rPr lang="en-US" smtClean="0"/>
               <a:pPr/>
-              <a:t>09/24/2021</a:t>
+              <a:t>9/25/2021</a:t>
             </a:fld>
             <a:endParaRPr lang="en-US"/>
           </a:p>
@@ -2512,7 +2514,7 @@
             <a:fld id="{1D8BD707-D9CF-40AE-B4C6-C98DA3205C09}" type="datetimeFigureOut">
               <a:rPr lang="en-US" smtClean="0"/>
               <a:pPr/>
-              <a:t>09/24/2021</a:t>
+              <a:t>9/25/2021</a:t>
             </a:fld>
             <a:endParaRPr lang="en-US"/>
           </a:p>
@@ -2720,7 +2722,7 @@
             <a:fld id="{1D8BD707-D9CF-40AE-B4C6-C98DA3205C09}" type="datetimeFigureOut">
               <a:rPr lang="en-US" smtClean="0"/>
               <a:pPr/>
-              <a:t>09/24/2021</a:t>
+              <a:t>9/25/2021</a:t>
             </a:fld>
             <a:endParaRPr lang="en-US"/>
           </a:p>
@@ -3849,6 +3851,797 @@
 </p:sld>
 </file>
 
+<file path=ppt/slides/slide10.xml><?xml version="1.0" encoding="utf-8"?>
+<p:sld xmlns:a="http://schemas.openxmlformats.org/drawingml/2006/main" xmlns:r="http://schemas.openxmlformats.org/officeDocument/2006/relationships" xmlns:p="http://schemas.openxmlformats.org/presentationml/2006/main">
+  <p:cSld>
+    <p:spTree>
+      <p:nvGrpSpPr>
+        <p:cNvPr id="1" name=""/>
+        <p:cNvGrpSpPr/>
+        <p:nvPr/>
+      </p:nvGrpSpPr>
+      <p:grpSpPr>
+        <a:xfrm>
+          <a:off x="0" y="0"/>
+          <a:ext cx="0" cy="0"/>
+          <a:chOff x="0" y="0"/>
+          <a:chExt cx="0" cy="0"/>
+        </a:xfrm>
+      </p:grpSpPr>
+      <p:pic>
+        <p:nvPicPr>
+          <p:cNvPr id="5" name="Picture 4">
+            <a:extLst>
+              <a:ext uri="{FF2B5EF4-FFF2-40B4-BE49-F238E27FC236}">
+                <a16:creationId xmlns:a16="http://schemas.microsoft.com/office/drawing/2014/main" id="{23885E78-8729-4DE0-A73F-B237F7D76746}"/>
+              </a:ext>
+            </a:extLst>
+          </p:cNvPr>
+          <p:cNvPicPr>
+            <a:picLocks noChangeAspect="1"/>
+          </p:cNvPicPr>
+          <p:nvPr/>
+        </p:nvPicPr>
+        <p:blipFill>
+          <a:blip r:embed="rId2"/>
+          <a:stretch>
+            <a:fillRect/>
+          </a:stretch>
+        </p:blipFill>
+        <p:spPr>
+          <a:xfrm>
+            <a:off x="1752600" y="75282"/>
+            <a:ext cx="14173200" cy="10136435"/>
+          </a:xfrm>
+          <a:prstGeom prst="rect">
+            <a:avLst/>
+          </a:prstGeom>
+        </p:spPr>
+      </p:pic>
+    </p:spTree>
+  </p:cSld>
+  <p:clrMapOvr>
+    <a:masterClrMapping/>
+  </p:clrMapOvr>
+</p:sld>
+</file>
+
+<file path=ppt/slides/slide11.xml><?xml version="1.0" encoding="utf-8"?>
+<p:sld xmlns:a="http://schemas.openxmlformats.org/drawingml/2006/main" xmlns:r="http://schemas.openxmlformats.org/officeDocument/2006/relationships" xmlns:p="http://schemas.openxmlformats.org/presentationml/2006/main">
+  <p:cSld>
+    <p:bg>
+      <p:bgPr>
+        <a:solidFill>
+          <a:srgbClr val="DC50B1"/>
+        </a:solidFill>
+        <a:effectLst/>
+      </p:bgPr>
+    </p:bg>
+    <p:spTree>
+      <p:nvGrpSpPr>
+        <p:cNvPr id="1" name=""/>
+        <p:cNvGrpSpPr/>
+        <p:nvPr/>
+      </p:nvGrpSpPr>
+      <p:grpSpPr>
+        <a:xfrm>
+          <a:off x="0" y="0"/>
+          <a:ext cx="0" cy="0"/>
+          <a:chOff x="0" y="0"/>
+          <a:chExt cx="0" cy="0"/>
+        </a:xfrm>
+      </p:grpSpPr>
+      <p:grpSp>
+        <p:nvGrpSpPr>
+          <p:cNvPr id="2" name="Group 2"/>
+          <p:cNvGrpSpPr/>
+          <p:nvPr/>
+        </p:nvGrpSpPr>
+        <p:grpSpPr>
+          <a:xfrm>
+            <a:off x="3537079" y="3930072"/>
+            <a:ext cx="11213841" cy="2426856"/>
+            <a:chOff x="0" y="0"/>
+            <a:chExt cx="14951788" cy="3235808"/>
+          </a:xfrm>
+        </p:grpSpPr>
+        <p:sp>
+          <p:nvSpPr>
+            <p:cNvPr id="3" name="TextBox 3"/>
+            <p:cNvSpPr txBox="1"/>
+            <p:nvPr/>
+          </p:nvSpPr>
+          <p:spPr>
+            <a:xfrm>
+              <a:off x="0" y="9525"/>
+              <a:ext cx="14951788" cy="1768475"/>
+            </a:xfrm>
+            <a:prstGeom prst="rect">
+              <a:avLst/>
+            </a:prstGeom>
+          </p:spPr>
+          <p:txBody>
+            <a:bodyPr lIns="0" tIns="0" rIns="0" bIns="0" rtlCol="0" anchor="t">
+              <a:spAutoFit/>
+            </a:bodyPr>
+            <a:lstStyle/>
+            <a:p>
+              <a:pPr algn="ctr">
+                <a:lnSpc>
+                  <a:spcPts val="10560"/>
+                </a:lnSpc>
+              </a:pPr>
+              <a:r>
+                <a:rPr lang="en-US" sz="8799">
+                  <a:solidFill>
+                    <a:srgbClr val="A9E5DD"/>
+                  </a:solidFill>
+                  <a:latin typeface="Berkshire Swash"/>
+                </a:rPr>
+                <a:t>Thank you!!</a:t>
+              </a:r>
+            </a:p>
+          </p:txBody>
+        </p:sp>
+        <p:sp>
+          <p:nvSpPr>
+            <p:cNvPr id="4" name="TextBox 4"/>
+            <p:cNvSpPr txBox="1"/>
+            <p:nvPr/>
+          </p:nvSpPr>
+          <p:spPr>
+            <a:xfrm>
+              <a:off x="0" y="2340106"/>
+              <a:ext cx="14951788" cy="895703"/>
+            </a:xfrm>
+            <a:prstGeom prst="rect">
+              <a:avLst/>
+            </a:prstGeom>
+          </p:spPr>
+          <p:txBody>
+            <a:bodyPr lIns="0" tIns="0" rIns="0" bIns="0" rtlCol="0" anchor="t">
+              <a:spAutoFit/>
+            </a:bodyPr>
+            <a:lstStyle/>
+            <a:p>
+              <a:pPr algn="ctr">
+                <a:lnSpc>
+                  <a:spcPts val="5600"/>
+                </a:lnSpc>
+                <a:spcBef>
+                  <a:spcPct val="0"/>
+                </a:spcBef>
+              </a:pPr>
+              <a:endParaRPr/>
+            </a:p>
+          </p:txBody>
+        </p:sp>
+      </p:grpSp>
+      <p:pic>
+        <p:nvPicPr>
+          <p:cNvPr id="5" name="Picture 5"/>
+          <p:cNvPicPr>
+            <a:picLocks noChangeAspect="1"/>
+          </p:cNvPicPr>
+          <p:nvPr/>
+        </p:nvPicPr>
+        <p:blipFill>
+          <a:blip r:embed="rId2">
+            <a:extLst>
+              <a:ext uri="{28A0092B-C50C-407E-A947-70E740481C1C}">
+                <a14:useLocalDpi xmlns:a14="http://schemas.microsoft.com/office/drawing/2010/main" val="0"/>
+              </a:ext>
+              <a:ext uri="{96DAC541-7B7A-43D3-8B79-37D633B846F1}">
+                <asvg:svgBlip xmlns:asvg="http://schemas.microsoft.com/office/drawing/2016/SVG/main" r:embed="rId3"/>
+              </a:ext>
+            </a:extLst>
+          </a:blip>
+          <a:srcRect/>
+          <a:stretch>
+            <a:fillRect/>
+          </a:stretch>
+        </p:blipFill>
+        <p:spPr>
+          <a:xfrm>
+            <a:off x="-2231559" y="3952869"/>
+            <a:ext cx="6520518" cy="6977208"/>
+          </a:xfrm>
+          <a:prstGeom prst="rect">
+            <a:avLst/>
+          </a:prstGeom>
+        </p:spPr>
+      </p:pic>
+      <p:pic>
+        <p:nvPicPr>
+          <p:cNvPr id="6" name="Picture 6"/>
+          <p:cNvPicPr>
+            <a:picLocks noChangeAspect="1"/>
+          </p:cNvPicPr>
+          <p:nvPr/>
+        </p:nvPicPr>
+        <p:blipFill>
+          <a:blip r:embed="rId4">
+            <a:extLst>
+              <a:ext uri="{28A0092B-C50C-407E-A947-70E740481C1C}">
+                <a14:useLocalDpi xmlns:a14="http://schemas.microsoft.com/office/drawing/2010/main" val="0"/>
+              </a:ext>
+              <a:ext uri="{96DAC541-7B7A-43D3-8B79-37D633B846F1}">
+                <asvg:svgBlip xmlns:asvg="http://schemas.microsoft.com/office/drawing/2016/SVG/main" r:embed="rId5"/>
+              </a:ext>
+            </a:extLst>
+          </a:blip>
+          <a:srcRect/>
+          <a:stretch>
+            <a:fillRect/>
+          </a:stretch>
+        </p:blipFill>
+        <p:spPr>
+          <a:xfrm>
+            <a:off x="14750921" y="231000"/>
+            <a:ext cx="4538864" cy="3721869"/>
+          </a:xfrm>
+          <a:prstGeom prst="rect">
+            <a:avLst/>
+          </a:prstGeom>
+        </p:spPr>
+      </p:pic>
+      <p:pic>
+        <p:nvPicPr>
+          <p:cNvPr id="7" name="Picture 7"/>
+          <p:cNvPicPr>
+            <a:picLocks noChangeAspect="1"/>
+          </p:cNvPicPr>
+          <p:nvPr/>
+        </p:nvPicPr>
+        <p:blipFill>
+          <a:blip r:embed="rId6">
+            <a:extLst>
+              <a:ext uri="{28A0092B-C50C-407E-A947-70E740481C1C}">
+                <a14:useLocalDpi xmlns:a14="http://schemas.microsoft.com/office/drawing/2010/main" val="0"/>
+              </a:ext>
+              <a:ext uri="{96DAC541-7B7A-43D3-8B79-37D633B846F1}">
+                <asvg:svgBlip xmlns:asvg="http://schemas.microsoft.com/office/drawing/2016/SVG/main" r:embed="rId7"/>
+              </a:ext>
+            </a:extLst>
+          </a:blip>
+          <a:srcRect/>
+          <a:stretch>
+            <a:fillRect/>
+          </a:stretch>
+        </p:blipFill>
+        <p:spPr>
+          <a:xfrm rot="-1245958">
+            <a:off x="2557955" y="-2374195"/>
+            <a:ext cx="3462008" cy="4748390"/>
+          </a:xfrm>
+          <a:prstGeom prst="rect">
+            <a:avLst/>
+          </a:prstGeom>
+        </p:spPr>
+      </p:pic>
+      <p:pic>
+        <p:nvPicPr>
+          <p:cNvPr id="8" name="Picture 8"/>
+          <p:cNvPicPr>
+            <a:picLocks noChangeAspect="1"/>
+          </p:cNvPicPr>
+          <p:nvPr/>
+        </p:nvPicPr>
+        <p:blipFill>
+          <a:blip r:embed="rId8">
+            <a:extLst>
+              <a:ext uri="{28A0092B-C50C-407E-A947-70E740481C1C}">
+                <a14:useLocalDpi xmlns:a14="http://schemas.microsoft.com/office/drawing/2010/main" val="0"/>
+              </a:ext>
+              <a:ext uri="{96DAC541-7B7A-43D3-8B79-37D633B846F1}">
+                <asvg:svgBlip xmlns:asvg="http://schemas.microsoft.com/office/drawing/2016/SVG/main" r:embed="rId9"/>
+              </a:ext>
+            </a:extLst>
+          </a:blip>
+          <a:srcRect/>
+          <a:stretch>
+            <a:fillRect/>
+          </a:stretch>
+        </p:blipFill>
+        <p:spPr>
+          <a:xfrm rot="852599">
+            <a:off x="13199137" y="6835485"/>
+            <a:ext cx="2801656" cy="4845631"/>
+          </a:xfrm>
+          <a:prstGeom prst="rect">
+            <a:avLst/>
+          </a:prstGeom>
+        </p:spPr>
+      </p:pic>
+      <p:grpSp>
+        <p:nvGrpSpPr>
+          <p:cNvPr id="9" name="Group 9"/>
+          <p:cNvGrpSpPr/>
+          <p:nvPr/>
+        </p:nvGrpSpPr>
+        <p:grpSpPr>
+          <a:xfrm>
+            <a:off x="1028700" y="1679406"/>
+            <a:ext cx="180541" cy="180541"/>
+            <a:chOff x="0" y="0"/>
+            <a:chExt cx="6350000" cy="6350000"/>
+          </a:xfrm>
+        </p:grpSpPr>
+        <p:sp>
+          <p:nvSpPr>
+            <p:cNvPr id="10" name="Freeform 10"/>
+            <p:cNvSpPr/>
+            <p:nvPr/>
+          </p:nvSpPr>
+          <p:spPr>
+            <a:xfrm>
+              <a:off x="14167" y="0"/>
+              <a:ext cx="6321665" cy="6350000"/>
+            </a:xfrm>
+            <a:custGeom>
+              <a:avLst/>
+              <a:gdLst/>
+              <a:ahLst/>
+              <a:cxnLst/>
+              <a:rect l="l" t="t" r="r" b="b"/>
+              <a:pathLst>
+                <a:path w="6321665" h="6350000">
+                  <a:moveTo>
+                    <a:pt x="3160833" y="0"/>
+                  </a:moveTo>
+                  <a:lnTo>
+                    <a:pt x="3160833" y="0"/>
+                  </a:lnTo>
+                  <a:cubicBezTo>
+                    <a:pt x="4908795" y="7817"/>
+                    <a:pt x="6321666" y="1427021"/>
+                    <a:pt x="6321666" y="3175000"/>
+                  </a:cubicBezTo>
+                  <a:cubicBezTo>
+                    <a:pt x="6321666" y="4922979"/>
+                    <a:pt x="4908795" y="6342183"/>
+                    <a:pt x="3160833" y="6350000"/>
+                  </a:cubicBezTo>
+                  <a:cubicBezTo>
+                    <a:pt x="1412871" y="6342183"/>
+                    <a:pt x="0" y="4922979"/>
+                    <a:pt x="0" y="3175000"/>
+                  </a:cubicBezTo>
+                  <a:cubicBezTo>
+                    <a:pt x="0" y="1427021"/>
+                    <a:pt x="1412871" y="7817"/>
+                    <a:pt x="3160833" y="0"/>
+                  </a:cubicBezTo>
+                  <a:close/>
+                </a:path>
+              </a:pathLst>
+            </a:custGeom>
+            <a:solidFill>
+              <a:srgbClr val="FFFFFF"/>
+            </a:solidFill>
+          </p:spPr>
+        </p:sp>
+      </p:grpSp>
+      <p:pic>
+        <p:nvPicPr>
+          <p:cNvPr id="11" name="Picture 11"/>
+          <p:cNvPicPr>
+            <a:picLocks noChangeAspect="1"/>
+          </p:cNvPicPr>
+          <p:nvPr/>
+        </p:nvPicPr>
+        <p:blipFill>
+          <a:blip r:embed="rId10" cstate="print">
+            <a:extLst>
+              <a:ext uri="{28A0092B-C50C-407E-A947-70E740481C1C}">
+                <a14:useLocalDpi xmlns:a14="http://schemas.microsoft.com/office/drawing/2010/main" val="0"/>
+              </a:ext>
+              <a:ext uri="{96DAC541-7B7A-43D3-8B79-37D633B846F1}">
+                <asvg:svgBlip xmlns:asvg="http://schemas.microsoft.com/office/drawing/2016/SVG/main" r:embed="rId11"/>
+              </a:ext>
+            </a:extLst>
+          </a:blip>
+          <a:srcRect/>
+          <a:stretch>
+            <a:fillRect/>
+          </a:stretch>
+        </p:blipFill>
+        <p:spPr>
+          <a:xfrm rot="547225">
+            <a:off x="4683711" y="8293480"/>
+            <a:ext cx="716501" cy="1027311"/>
+          </a:xfrm>
+          <a:prstGeom prst="rect">
+            <a:avLst/>
+          </a:prstGeom>
+        </p:spPr>
+      </p:pic>
+      <p:grpSp>
+        <p:nvGrpSpPr>
+          <p:cNvPr id="12" name="Group 12"/>
+          <p:cNvGrpSpPr/>
+          <p:nvPr/>
+        </p:nvGrpSpPr>
+        <p:grpSpPr>
+          <a:xfrm>
+            <a:off x="17259300" y="4962959"/>
+            <a:ext cx="180541" cy="180541"/>
+            <a:chOff x="0" y="0"/>
+            <a:chExt cx="6350000" cy="6350000"/>
+          </a:xfrm>
+        </p:grpSpPr>
+        <p:sp>
+          <p:nvSpPr>
+            <p:cNvPr id="13" name="Freeform 13"/>
+            <p:cNvSpPr/>
+            <p:nvPr/>
+          </p:nvSpPr>
+          <p:spPr>
+            <a:xfrm>
+              <a:off x="14167" y="0"/>
+              <a:ext cx="6321665" cy="6350000"/>
+            </a:xfrm>
+            <a:custGeom>
+              <a:avLst/>
+              <a:gdLst/>
+              <a:ahLst/>
+              <a:cxnLst/>
+              <a:rect l="l" t="t" r="r" b="b"/>
+              <a:pathLst>
+                <a:path w="6321665" h="6350000">
+                  <a:moveTo>
+                    <a:pt x="3160833" y="0"/>
+                  </a:moveTo>
+                  <a:lnTo>
+                    <a:pt x="3160833" y="0"/>
+                  </a:lnTo>
+                  <a:cubicBezTo>
+                    <a:pt x="4908795" y="7817"/>
+                    <a:pt x="6321666" y="1427021"/>
+                    <a:pt x="6321666" y="3175000"/>
+                  </a:cubicBezTo>
+                  <a:cubicBezTo>
+                    <a:pt x="6321666" y="4922979"/>
+                    <a:pt x="4908795" y="6342183"/>
+                    <a:pt x="3160833" y="6350000"/>
+                  </a:cubicBezTo>
+                  <a:cubicBezTo>
+                    <a:pt x="1412871" y="6342183"/>
+                    <a:pt x="0" y="4922979"/>
+                    <a:pt x="0" y="3175000"/>
+                  </a:cubicBezTo>
+                  <a:cubicBezTo>
+                    <a:pt x="0" y="1427021"/>
+                    <a:pt x="1412871" y="7817"/>
+                    <a:pt x="3160833" y="0"/>
+                  </a:cubicBezTo>
+                  <a:close/>
+                </a:path>
+              </a:pathLst>
+            </a:custGeom>
+            <a:solidFill>
+              <a:srgbClr val="FFFFFF"/>
+            </a:solidFill>
+          </p:spPr>
+        </p:sp>
+      </p:grpSp>
+      <p:grpSp>
+        <p:nvGrpSpPr>
+          <p:cNvPr id="14" name="Group 14"/>
+          <p:cNvGrpSpPr/>
+          <p:nvPr/>
+        </p:nvGrpSpPr>
+        <p:grpSpPr>
+          <a:xfrm>
+            <a:off x="8571891" y="9258300"/>
+            <a:ext cx="180541" cy="180541"/>
+            <a:chOff x="0" y="0"/>
+            <a:chExt cx="6350000" cy="6350000"/>
+          </a:xfrm>
+        </p:grpSpPr>
+        <p:sp>
+          <p:nvSpPr>
+            <p:cNvPr id="15" name="Freeform 15"/>
+            <p:cNvSpPr/>
+            <p:nvPr/>
+          </p:nvSpPr>
+          <p:spPr>
+            <a:xfrm>
+              <a:off x="14167" y="0"/>
+              <a:ext cx="6321665" cy="6350000"/>
+            </a:xfrm>
+            <a:custGeom>
+              <a:avLst/>
+              <a:gdLst/>
+              <a:ahLst/>
+              <a:cxnLst/>
+              <a:rect l="l" t="t" r="r" b="b"/>
+              <a:pathLst>
+                <a:path w="6321665" h="6350000">
+                  <a:moveTo>
+                    <a:pt x="3160833" y="0"/>
+                  </a:moveTo>
+                  <a:lnTo>
+                    <a:pt x="3160833" y="0"/>
+                  </a:lnTo>
+                  <a:cubicBezTo>
+                    <a:pt x="4908795" y="7817"/>
+                    <a:pt x="6321666" y="1427021"/>
+                    <a:pt x="6321666" y="3175000"/>
+                  </a:cubicBezTo>
+                  <a:cubicBezTo>
+                    <a:pt x="6321666" y="4922979"/>
+                    <a:pt x="4908795" y="6342183"/>
+                    <a:pt x="3160833" y="6350000"/>
+                  </a:cubicBezTo>
+                  <a:cubicBezTo>
+                    <a:pt x="1412871" y="6342183"/>
+                    <a:pt x="0" y="4922979"/>
+                    <a:pt x="0" y="3175000"/>
+                  </a:cubicBezTo>
+                  <a:cubicBezTo>
+                    <a:pt x="0" y="1427021"/>
+                    <a:pt x="1412871" y="7817"/>
+                    <a:pt x="3160833" y="0"/>
+                  </a:cubicBezTo>
+                  <a:close/>
+                </a:path>
+              </a:pathLst>
+            </a:custGeom>
+            <a:solidFill>
+              <a:srgbClr val="FFFFFF"/>
+            </a:solidFill>
+          </p:spPr>
+        </p:sp>
+      </p:grpSp>
+      <p:pic>
+        <p:nvPicPr>
+          <p:cNvPr id="16" name="Picture 16"/>
+          <p:cNvPicPr>
+            <a:picLocks noChangeAspect="1"/>
+          </p:cNvPicPr>
+          <p:nvPr/>
+        </p:nvPicPr>
+        <p:blipFill>
+          <a:blip r:embed="rId12" cstate="print">
+            <a:extLst>
+              <a:ext uri="{28A0092B-C50C-407E-A947-70E740481C1C}">
+                <a14:useLocalDpi xmlns:a14="http://schemas.microsoft.com/office/drawing/2010/main" val="0"/>
+              </a:ext>
+              <a:ext uri="{96DAC541-7B7A-43D3-8B79-37D633B846F1}">
+                <asvg:svgBlip xmlns:asvg="http://schemas.microsoft.com/office/drawing/2016/SVG/main" r:embed="rId13"/>
+              </a:ext>
+            </a:extLst>
+          </a:blip>
+          <a:srcRect/>
+          <a:stretch>
+            <a:fillRect/>
+          </a:stretch>
+        </p:blipFill>
+        <p:spPr>
+          <a:xfrm rot="1683141">
+            <a:off x="1353910" y="3369099"/>
+            <a:ext cx="1477875" cy="832984"/>
+          </a:xfrm>
+          <a:prstGeom prst="rect">
+            <a:avLst/>
+          </a:prstGeom>
+        </p:spPr>
+      </p:pic>
+      <p:pic>
+        <p:nvPicPr>
+          <p:cNvPr id="17" name="Picture 17"/>
+          <p:cNvPicPr>
+            <a:picLocks noChangeAspect="1"/>
+          </p:cNvPicPr>
+          <p:nvPr/>
+        </p:nvPicPr>
+        <p:blipFill>
+          <a:blip r:embed="rId10" cstate="print">
+            <a:extLst>
+              <a:ext uri="{28A0092B-C50C-407E-A947-70E740481C1C}">
+                <a14:useLocalDpi xmlns:a14="http://schemas.microsoft.com/office/drawing/2010/main" val="0"/>
+              </a:ext>
+              <a:ext uri="{96DAC541-7B7A-43D3-8B79-37D633B846F1}">
+                <asvg:svgBlip xmlns:asvg="http://schemas.microsoft.com/office/drawing/2016/SVG/main" r:embed="rId11"/>
+              </a:ext>
+            </a:extLst>
+          </a:blip>
+          <a:srcRect/>
+          <a:stretch>
+            <a:fillRect/>
+          </a:stretch>
+        </p:blipFill>
+        <p:spPr>
+          <a:xfrm rot="-2486699">
+            <a:off x="12938585" y="357299"/>
+            <a:ext cx="834019" cy="1195808"/>
+          </a:xfrm>
+          <a:prstGeom prst="rect">
+            <a:avLst/>
+          </a:prstGeom>
+        </p:spPr>
+      </p:pic>
+      <p:pic>
+        <p:nvPicPr>
+          <p:cNvPr id="18" name="Picture 18"/>
+          <p:cNvPicPr>
+            <a:picLocks noChangeAspect="1"/>
+          </p:cNvPicPr>
+          <p:nvPr/>
+        </p:nvPicPr>
+        <p:blipFill>
+          <a:blip r:embed="rId12" cstate="print">
+            <a:extLst>
+              <a:ext uri="{28A0092B-C50C-407E-A947-70E740481C1C}">
+                <a14:useLocalDpi xmlns:a14="http://schemas.microsoft.com/office/drawing/2010/main" val="0"/>
+              </a:ext>
+              <a:ext uri="{96DAC541-7B7A-43D3-8B79-37D633B846F1}">
+                <asvg:svgBlip xmlns:asvg="http://schemas.microsoft.com/office/drawing/2016/SVG/main" r:embed="rId13"/>
+              </a:ext>
+            </a:extLst>
+          </a:blip>
+          <a:srcRect/>
+          <a:stretch>
+            <a:fillRect/>
+          </a:stretch>
+        </p:blipFill>
+        <p:spPr>
+          <a:xfrm rot="-3034405">
+            <a:off x="15540498" y="8194501"/>
+            <a:ext cx="1429491" cy="805713"/>
+          </a:xfrm>
+          <a:prstGeom prst="rect">
+            <a:avLst/>
+          </a:prstGeom>
+        </p:spPr>
+      </p:pic>
+      <p:grpSp>
+        <p:nvGrpSpPr>
+          <p:cNvPr id="19" name="Group 19"/>
+          <p:cNvGrpSpPr/>
+          <p:nvPr/>
+        </p:nvGrpSpPr>
+        <p:grpSpPr>
+          <a:xfrm>
+            <a:off x="8752432" y="864932"/>
+            <a:ext cx="180541" cy="180541"/>
+            <a:chOff x="0" y="0"/>
+            <a:chExt cx="6350000" cy="6350000"/>
+          </a:xfrm>
+        </p:grpSpPr>
+        <p:sp>
+          <p:nvSpPr>
+            <p:cNvPr id="20" name="Freeform 20"/>
+            <p:cNvSpPr/>
+            <p:nvPr/>
+          </p:nvSpPr>
+          <p:spPr>
+            <a:xfrm>
+              <a:off x="14167" y="0"/>
+              <a:ext cx="6321665" cy="6350000"/>
+            </a:xfrm>
+            <a:custGeom>
+              <a:avLst/>
+              <a:gdLst/>
+              <a:ahLst/>
+              <a:cxnLst/>
+              <a:rect l="l" t="t" r="r" b="b"/>
+              <a:pathLst>
+                <a:path w="6321665" h="6350000">
+                  <a:moveTo>
+                    <a:pt x="3160833" y="0"/>
+                  </a:moveTo>
+                  <a:lnTo>
+                    <a:pt x="3160833" y="0"/>
+                  </a:lnTo>
+                  <a:cubicBezTo>
+                    <a:pt x="4908795" y="7817"/>
+                    <a:pt x="6321666" y="1427021"/>
+                    <a:pt x="6321666" y="3175000"/>
+                  </a:cubicBezTo>
+                  <a:cubicBezTo>
+                    <a:pt x="6321666" y="4922979"/>
+                    <a:pt x="4908795" y="6342183"/>
+                    <a:pt x="3160833" y="6350000"/>
+                  </a:cubicBezTo>
+                  <a:cubicBezTo>
+                    <a:pt x="1412871" y="6342183"/>
+                    <a:pt x="0" y="4922979"/>
+                    <a:pt x="0" y="3175000"/>
+                  </a:cubicBezTo>
+                  <a:cubicBezTo>
+                    <a:pt x="0" y="1427021"/>
+                    <a:pt x="1412871" y="7817"/>
+                    <a:pt x="3160833" y="0"/>
+                  </a:cubicBezTo>
+                  <a:close/>
+                </a:path>
+              </a:pathLst>
+            </a:custGeom>
+            <a:solidFill>
+              <a:srgbClr val="FFFFFF"/>
+            </a:solidFill>
+          </p:spPr>
+        </p:sp>
+      </p:grpSp>
+      <p:grpSp>
+        <p:nvGrpSpPr>
+          <p:cNvPr id="21" name="Group 21"/>
+          <p:cNvGrpSpPr/>
+          <p:nvPr/>
+        </p:nvGrpSpPr>
+        <p:grpSpPr>
+          <a:xfrm>
+            <a:off x="12466713" y="8482193"/>
+            <a:ext cx="180541" cy="180541"/>
+            <a:chOff x="0" y="0"/>
+            <a:chExt cx="6350000" cy="6350000"/>
+          </a:xfrm>
+        </p:grpSpPr>
+        <p:sp>
+          <p:nvSpPr>
+            <p:cNvPr id="22" name="Freeform 22"/>
+            <p:cNvSpPr/>
+            <p:nvPr/>
+          </p:nvSpPr>
+          <p:spPr>
+            <a:xfrm>
+              <a:off x="14167" y="0"/>
+              <a:ext cx="6321665" cy="6350000"/>
+            </a:xfrm>
+            <a:custGeom>
+              <a:avLst/>
+              <a:gdLst/>
+              <a:ahLst/>
+              <a:cxnLst/>
+              <a:rect l="l" t="t" r="r" b="b"/>
+              <a:pathLst>
+                <a:path w="6321665" h="6350000">
+                  <a:moveTo>
+                    <a:pt x="3160833" y="0"/>
+                  </a:moveTo>
+                  <a:lnTo>
+                    <a:pt x="3160833" y="0"/>
+                  </a:lnTo>
+                  <a:cubicBezTo>
+                    <a:pt x="4908795" y="7817"/>
+                    <a:pt x="6321666" y="1427021"/>
+                    <a:pt x="6321666" y="3175000"/>
+                  </a:cubicBezTo>
+                  <a:cubicBezTo>
+                    <a:pt x="6321666" y="4922979"/>
+                    <a:pt x="4908795" y="6342183"/>
+                    <a:pt x="3160833" y="6350000"/>
+                  </a:cubicBezTo>
+                  <a:cubicBezTo>
+                    <a:pt x="1412871" y="6342183"/>
+                    <a:pt x="0" y="4922979"/>
+                    <a:pt x="0" y="3175000"/>
+                  </a:cubicBezTo>
+                  <a:cubicBezTo>
+                    <a:pt x="0" y="1427021"/>
+                    <a:pt x="1412871" y="7817"/>
+                    <a:pt x="3160833" y="0"/>
+                  </a:cubicBezTo>
+                  <a:close/>
+                </a:path>
+              </a:pathLst>
+            </a:custGeom>
+            <a:solidFill>
+              <a:srgbClr val="FFFFFF"/>
+            </a:solidFill>
+          </p:spPr>
+        </p:sp>
+      </p:grpSp>
+    </p:spTree>
+  </p:cSld>
+  <p:clrMapOvr>
+    <a:masterClrMapping/>
+  </p:clrMapOvr>
+</p:sld>
+</file>
+
 <file path=ppt/slides/slide2.xml><?xml version="1.0" encoding="utf-8"?>
 <p:sld xmlns:a="http://schemas.openxmlformats.org/drawingml/2006/main" xmlns:r="http://schemas.openxmlformats.org/officeDocument/2006/relationships" xmlns:p="http://schemas.openxmlformats.org/presentationml/2006/main">
   <p:cSld>
@@ -6650,15 +7443,15 @@
         </p:nvSpPr>
         <p:spPr>
           <a:xfrm>
-            <a:off x="10317866" y="8877333"/>
-            <a:ext cx="1575098" cy="755650"/>
+            <a:off x="10212980" y="8888130"/>
+            <a:ext cx="1784870" cy="779059"/>
           </a:xfrm>
           <a:prstGeom prst="rect">
             <a:avLst/>
           </a:prstGeom>
         </p:spPr>
         <p:txBody>
-          <a:bodyPr lIns="0" tIns="0" rIns="0" bIns="0" rtlCol="0" anchor="t">
+          <a:bodyPr wrap="square" lIns="0" tIns="0" rIns="0" bIns="0" rtlCol="0" anchor="t">
             <a:spAutoFit/>
           </a:bodyPr>
           <a:lstStyle/>
@@ -6669,7 +7462,7 @@
               </a:lnSpc>
             </a:pPr>
             <a:r>
-              <a:rPr lang="en-US" sz="4500">
+              <a:rPr lang="en-US" sz="4500" dirty="0">
                 <a:solidFill>
                   <a:srgbClr val="FFFFFF"/>
                 </a:solidFill>
@@ -6713,6 +7506,511 @@
 </file>
 
 <file path=ppt/slides/slide5.xml><?xml version="1.0" encoding="utf-8"?>
+<p:sld xmlns:a="http://schemas.openxmlformats.org/drawingml/2006/main" xmlns:r="http://schemas.openxmlformats.org/officeDocument/2006/relationships" xmlns:p="http://schemas.openxmlformats.org/presentationml/2006/main">
+  <p:cSld>
+    <p:bg>
+      <p:bgPr>
+        <a:solidFill>
+          <a:srgbClr val="A9E5DD"/>
+        </a:solidFill>
+        <a:effectLst/>
+      </p:bgPr>
+    </p:bg>
+    <p:spTree>
+      <p:nvGrpSpPr>
+        <p:cNvPr id="1" name=""/>
+        <p:cNvGrpSpPr/>
+        <p:nvPr/>
+      </p:nvGrpSpPr>
+      <p:grpSpPr>
+        <a:xfrm>
+          <a:off x="0" y="0"/>
+          <a:ext cx="0" cy="0"/>
+          <a:chOff x="0" y="0"/>
+          <a:chExt cx="0" cy="0"/>
+        </a:xfrm>
+      </p:grpSpPr>
+      <p:grpSp>
+        <p:nvGrpSpPr>
+          <p:cNvPr id="2" name="Group 2"/>
+          <p:cNvGrpSpPr/>
+          <p:nvPr/>
+        </p:nvGrpSpPr>
+        <p:grpSpPr>
+          <a:xfrm>
+            <a:off x="16378898" y="1011384"/>
+            <a:ext cx="187680" cy="187680"/>
+            <a:chOff x="0" y="0"/>
+            <a:chExt cx="6350000" cy="6350000"/>
+          </a:xfrm>
+        </p:grpSpPr>
+        <p:sp>
+          <p:nvSpPr>
+            <p:cNvPr id="3" name="Freeform 3"/>
+            <p:cNvSpPr/>
+            <p:nvPr/>
+          </p:nvSpPr>
+          <p:spPr>
+            <a:xfrm>
+              <a:off x="14167" y="0"/>
+              <a:ext cx="6321665" cy="6350000"/>
+            </a:xfrm>
+            <a:custGeom>
+              <a:avLst/>
+              <a:gdLst/>
+              <a:ahLst/>
+              <a:cxnLst/>
+              <a:rect l="l" t="t" r="r" b="b"/>
+              <a:pathLst>
+                <a:path w="6321665" h="6350000">
+                  <a:moveTo>
+                    <a:pt x="3160833" y="0"/>
+                  </a:moveTo>
+                  <a:lnTo>
+                    <a:pt x="3160833" y="0"/>
+                  </a:lnTo>
+                  <a:cubicBezTo>
+                    <a:pt x="4908795" y="7817"/>
+                    <a:pt x="6321666" y="1427021"/>
+                    <a:pt x="6321666" y="3175000"/>
+                  </a:cubicBezTo>
+                  <a:cubicBezTo>
+                    <a:pt x="6321666" y="4922979"/>
+                    <a:pt x="4908795" y="6342183"/>
+                    <a:pt x="3160833" y="6350000"/>
+                  </a:cubicBezTo>
+                  <a:cubicBezTo>
+                    <a:pt x="1412871" y="6342183"/>
+                    <a:pt x="0" y="4922979"/>
+                    <a:pt x="0" y="3175000"/>
+                  </a:cubicBezTo>
+                  <a:cubicBezTo>
+                    <a:pt x="0" y="1427021"/>
+                    <a:pt x="1412871" y="7817"/>
+                    <a:pt x="3160833" y="0"/>
+                  </a:cubicBezTo>
+                  <a:close/>
+                </a:path>
+              </a:pathLst>
+            </a:custGeom>
+            <a:solidFill>
+              <a:srgbClr val="A289B4"/>
+            </a:solidFill>
+          </p:spPr>
+        </p:sp>
+      </p:grpSp>
+      <p:sp>
+        <p:nvSpPr>
+          <p:cNvPr id="4" name="TextBox 4"/>
+          <p:cNvSpPr txBox="1"/>
+          <p:nvPr/>
+        </p:nvSpPr>
+        <p:spPr>
+          <a:xfrm>
+            <a:off x="4185690" y="546417"/>
+            <a:ext cx="9916619" cy="1305294"/>
+          </a:xfrm>
+          <a:prstGeom prst="rect">
+            <a:avLst/>
+          </a:prstGeom>
+        </p:spPr>
+        <p:txBody>
+          <a:bodyPr wrap="square" lIns="0" tIns="0" rIns="0" bIns="0" rtlCol="0" anchor="t">
+            <a:spAutoFit/>
+          </a:bodyPr>
+          <a:lstStyle/>
+          <a:p>
+            <a:pPr marL="0" marR="0" lvl="0" indent="0" algn="ctr" defTabSz="914400" rtl="0" eaLnBrk="1" fontAlgn="auto" latinLnBrk="0" hangingPunct="1">
+              <a:lnSpc>
+                <a:spcPts val="10560"/>
+              </a:lnSpc>
+              <a:spcBef>
+                <a:spcPts val="0"/>
+              </a:spcBef>
+              <a:spcAft>
+                <a:spcPts val="0"/>
+              </a:spcAft>
+              <a:buClrTx/>
+              <a:buSzTx/>
+              <a:buFontTx/>
+              <a:buNone/>
+              <a:tabLst/>
+              <a:defRPr/>
+            </a:pPr>
+            <a:r>
+              <a:rPr kumimoji="0" lang="en-US" sz="8799" b="0" i="0" u="none" strike="noStrike" kern="1200" cap="none" spc="0" normalizeH="0" baseline="0" noProof="0" dirty="0">
+                <a:ln>
+                  <a:noFill/>
+                </a:ln>
+                <a:solidFill>
+                  <a:srgbClr val="0C1E2C"/>
+                </a:solidFill>
+                <a:effectLst/>
+                <a:uLnTx/>
+                <a:uFillTx/>
+                <a:latin typeface="Berkshire Swash"/>
+                <a:ea typeface="+mn-ea"/>
+                <a:cs typeface="+mn-cs"/>
+              </a:rPr>
+              <a:t>Word Count: Output</a:t>
+            </a:r>
+          </a:p>
+        </p:txBody>
+      </p:sp>
+      <p:pic>
+        <p:nvPicPr>
+          <p:cNvPr id="5" name="Picture 5"/>
+          <p:cNvPicPr>
+            <a:picLocks noChangeAspect="1"/>
+          </p:cNvPicPr>
+          <p:nvPr/>
+        </p:nvPicPr>
+        <p:blipFill>
+          <a:blip r:embed="rId2" cstate="print">
+            <a:extLst>
+              <a:ext uri="{28A0092B-C50C-407E-A947-70E740481C1C}">
+                <a14:useLocalDpi xmlns:a14="http://schemas.microsoft.com/office/drawing/2010/main" val="0"/>
+              </a:ext>
+              <a:ext uri="{96DAC541-7B7A-43D3-8B79-37D633B846F1}">
+                <asvg:svgBlip xmlns:asvg="http://schemas.microsoft.com/office/drawing/2016/SVG/main" r:embed="rId3"/>
+              </a:ext>
+            </a:extLst>
+          </a:blip>
+          <a:srcRect/>
+          <a:stretch>
+            <a:fillRect/>
+          </a:stretch>
+        </p:blipFill>
+        <p:spPr>
+          <a:xfrm rot="674061">
+            <a:off x="821342" y="8531603"/>
+            <a:ext cx="938601" cy="529029"/>
+          </a:xfrm>
+          <a:prstGeom prst="rect">
+            <a:avLst/>
+          </a:prstGeom>
+        </p:spPr>
+      </p:pic>
+      <p:pic>
+        <p:nvPicPr>
+          <p:cNvPr id="6" name="Picture 6"/>
+          <p:cNvPicPr>
+            <a:picLocks noChangeAspect="1"/>
+          </p:cNvPicPr>
+          <p:nvPr/>
+        </p:nvPicPr>
+        <p:blipFill>
+          <a:blip r:embed="rId4" cstate="print">
+            <a:extLst>
+              <a:ext uri="{28A0092B-C50C-407E-A947-70E740481C1C}">
+                <a14:useLocalDpi xmlns:a14="http://schemas.microsoft.com/office/drawing/2010/main" val="0"/>
+              </a:ext>
+              <a:ext uri="{96DAC541-7B7A-43D3-8B79-37D633B846F1}">
+                <asvg:svgBlip xmlns:asvg="http://schemas.microsoft.com/office/drawing/2016/SVG/main" r:embed="rId5"/>
+              </a:ext>
+            </a:extLst>
+          </a:blip>
+          <a:srcRect/>
+          <a:stretch>
+            <a:fillRect/>
+          </a:stretch>
+        </p:blipFill>
+        <p:spPr>
+          <a:xfrm>
+            <a:off x="5563672" y="238725"/>
+            <a:ext cx="325711" cy="467001"/>
+          </a:xfrm>
+          <a:prstGeom prst="rect">
+            <a:avLst/>
+          </a:prstGeom>
+        </p:spPr>
+      </p:pic>
+      <p:grpSp>
+        <p:nvGrpSpPr>
+          <p:cNvPr id="7" name="Group 7"/>
+          <p:cNvGrpSpPr/>
+          <p:nvPr/>
+        </p:nvGrpSpPr>
+        <p:grpSpPr>
+          <a:xfrm>
+            <a:off x="1102962" y="3476008"/>
+            <a:ext cx="187680" cy="187680"/>
+            <a:chOff x="0" y="0"/>
+            <a:chExt cx="6350000" cy="6350000"/>
+          </a:xfrm>
+        </p:grpSpPr>
+        <p:sp>
+          <p:nvSpPr>
+            <p:cNvPr id="8" name="Freeform 8"/>
+            <p:cNvSpPr/>
+            <p:nvPr/>
+          </p:nvSpPr>
+          <p:spPr>
+            <a:xfrm>
+              <a:off x="14167" y="0"/>
+              <a:ext cx="6321665" cy="6350000"/>
+            </a:xfrm>
+            <a:custGeom>
+              <a:avLst/>
+              <a:gdLst/>
+              <a:ahLst/>
+              <a:cxnLst/>
+              <a:rect l="l" t="t" r="r" b="b"/>
+              <a:pathLst>
+                <a:path w="6321665" h="6350000">
+                  <a:moveTo>
+                    <a:pt x="3160833" y="0"/>
+                  </a:moveTo>
+                  <a:lnTo>
+                    <a:pt x="3160833" y="0"/>
+                  </a:lnTo>
+                  <a:cubicBezTo>
+                    <a:pt x="4908795" y="7817"/>
+                    <a:pt x="6321666" y="1427021"/>
+                    <a:pt x="6321666" y="3175000"/>
+                  </a:cubicBezTo>
+                  <a:cubicBezTo>
+                    <a:pt x="6321666" y="4922979"/>
+                    <a:pt x="4908795" y="6342183"/>
+                    <a:pt x="3160833" y="6350000"/>
+                  </a:cubicBezTo>
+                  <a:cubicBezTo>
+                    <a:pt x="1412871" y="6342183"/>
+                    <a:pt x="0" y="4922979"/>
+                    <a:pt x="0" y="3175000"/>
+                  </a:cubicBezTo>
+                  <a:cubicBezTo>
+                    <a:pt x="0" y="1427021"/>
+                    <a:pt x="1412871" y="7817"/>
+                    <a:pt x="3160833" y="0"/>
+                  </a:cubicBezTo>
+                  <a:close/>
+                </a:path>
+              </a:pathLst>
+            </a:custGeom>
+            <a:solidFill>
+              <a:srgbClr val="A289B4"/>
+            </a:solidFill>
+          </p:spPr>
+        </p:sp>
+      </p:grpSp>
+      <p:grpSp>
+        <p:nvGrpSpPr>
+          <p:cNvPr id="9" name="Group 9"/>
+          <p:cNvGrpSpPr/>
+          <p:nvPr/>
+        </p:nvGrpSpPr>
+        <p:grpSpPr>
+          <a:xfrm>
+            <a:off x="15185343" y="9622739"/>
+            <a:ext cx="187680" cy="187680"/>
+            <a:chOff x="0" y="0"/>
+            <a:chExt cx="6350000" cy="6350000"/>
+          </a:xfrm>
+        </p:grpSpPr>
+        <p:sp>
+          <p:nvSpPr>
+            <p:cNvPr id="10" name="Freeform 10"/>
+            <p:cNvSpPr/>
+            <p:nvPr/>
+          </p:nvSpPr>
+          <p:spPr>
+            <a:xfrm>
+              <a:off x="14167" y="0"/>
+              <a:ext cx="6321665" cy="6350000"/>
+            </a:xfrm>
+            <a:custGeom>
+              <a:avLst/>
+              <a:gdLst/>
+              <a:ahLst/>
+              <a:cxnLst/>
+              <a:rect l="l" t="t" r="r" b="b"/>
+              <a:pathLst>
+                <a:path w="6321665" h="6350000">
+                  <a:moveTo>
+                    <a:pt x="3160833" y="0"/>
+                  </a:moveTo>
+                  <a:lnTo>
+                    <a:pt x="3160833" y="0"/>
+                  </a:lnTo>
+                  <a:cubicBezTo>
+                    <a:pt x="4908795" y="7817"/>
+                    <a:pt x="6321666" y="1427021"/>
+                    <a:pt x="6321666" y="3175000"/>
+                  </a:cubicBezTo>
+                  <a:cubicBezTo>
+                    <a:pt x="6321666" y="4922979"/>
+                    <a:pt x="4908795" y="6342183"/>
+                    <a:pt x="3160833" y="6350000"/>
+                  </a:cubicBezTo>
+                  <a:cubicBezTo>
+                    <a:pt x="1412871" y="6342183"/>
+                    <a:pt x="0" y="4922979"/>
+                    <a:pt x="0" y="3175000"/>
+                  </a:cubicBezTo>
+                  <a:cubicBezTo>
+                    <a:pt x="0" y="1427021"/>
+                    <a:pt x="1412871" y="7817"/>
+                    <a:pt x="3160833" y="0"/>
+                  </a:cubicBezTo>
+                  <a:close/>
+                </a:path>
+              </a:pathLst>
+            </a:custGeom>
+            <a:solidFill>
+              <a:srgbClr val="A289B4"/>
+            </a:solidFill>
+          </p:spPr>
+        </p:sp>
+      </p:grpSp>
+      <p:pic>
+        <p:nvPicPr>
+          <p:cNvPr id="11" name="Picture 11"/>
+          <p:cNvPicPr>
+            <a:picLocks noChangeAspect="1"/>
+          </p:cNvPicPr>
+          <p:nvPr/>
+        </p:nvPicPr>
+        <p:blipFill>
+          <a:blip r:embed="rId4" cstate="print">
+            <a:alphaModFix amt="70000"/>
+            <a:extLst>
+              <a:ext uri="{28A0092B-C50C-407E-A947-70E740481C1C}">
+                <a14:useLocalDpi xmlns:a14="http://schemas.microsoft.com/office/drawing/2010/main" val="0"/>
+              </a:ext>
+              <a:ext uri="{96DAC541-7B7A-43D3-8B79-37D633B846F1}">
+                <asvg:svgBlip xmlns:asvg="http://schemas.microsoft.com/office/drawing/2016/SVG/main" r:embed="rId5"/>
+              </a:ext>
+            </a:extLst>
+          </a:blip>
+          <a:srcRect/>
+          <a:stretch>
+            <a:fillRect/>
+          </a:stretch>
+        </p:blipFill>
+        <p:spPr>
+          <a:xfrm rot="-7794776">
+            <a:off x="17505965" y="8021724"/>
+            <a:ext cx="693185" cy="993881"/>
+          </a:xfrm>
+          <a:prstGeom prst="rect">
+            <a:avLst/>
+          </a:prstGeom>
+        </p:spPr>
+      </p:pic>
+      <p:grpSp>
+        <p:nvGrpSpPr>
+          <p:cNvPr id="12" name="Group 12"/>
+          <p:cNvGrpSpPr/>
+          <p:nvPr/>
+        </p:nvGrpSpPr>
+        <p:grpSpPr>
+          <a:xfrm>
+            <a:off x="4619752" y="9528899"/>
+            <a:ext cx="187680" cy="187680"/>
+            <a:chOff x="0" y="0"/>
+            <a:chExt cx="6350000" cy="6350000"/>
+          </a:xfrm>
+        </p:grpSpPr>
+        <p:sp>
+          <p:nvSpPr>
+            <p:cNvPr id="13" name="Freeform 13"/>
+            <p:cNvSpPr/>
+            <p:nvPr/>
+          </p:nvSpPr>
+          <p:spPr>
+            <a:xfrm>
+              <a:off x="14167" y="0"/>
+              <a:ext cx="6321665" cy="6350000"/>
+            </a:xfrm>
+            <a:custGeom>
+              <a:avLst/>
+              <a:gdLst/>
+              <a:ahLst/>
+              <a:cxnLst/>
+              <a:rect l="l" t="t" r="r" b="b"/>
+              <a:pathLst>
+                <a:path w="6321665" h="6350000">
+                  <a:moveTo>
+                    <a:pt x="3160833" y="0"/>
+                  </a:moveTo>
+                  <a:lnTo>
+                    <a:pt x="3160833" y="0"/>
+                  </a:lnTo>
+                  <a:cubicBezTo>
+                    <a:pt x="4908795" y="7817"/>
+                    <a:pt x="6321666" y="1427021"/>
+                    <a:pt x="6321666" y="3175000"/>
+                  </a:cubicBezTo>
+                  <a:cubicBezTo>
+                    <a:pt x="6321666" y="4922979"/>
+                    <a:pt x="4908795" y="6342183"/>
+                    <a:pt x="3160833" y="6350000"/>
+                  </a:cubicBezTo>
+                  <a:cubicBezTo>
+                    <a:pt x="1412871" y="6342183"/>
+                    <a:pt x="0" y="4922979"/>
+                    <a:pt x="0" y="3175000"/>
+                  </a:cubicBezTo>
+                  <a:cubicBezTo>
+                    <a:pt x="0" y="1427021"/>
+                    <a:pt x="1412871" y="7817"/>
+                    <a:pt x="3160833" y="0"/>
+                  </a:cubicBezTo>
+                  <a:close/>
+                </a:path>
+              </a:pathLst>
+            </a:custGeom>
+            <a:solidFill>
+              <a:srgbClr val="A289B4"/>
+            </a:solidFill>
+          </p:spPr>
+        </p:sp>
+      </p:grpSp>
+      <p:pic>
+        <p:nvPicPr>
+          <p:cNvPr id="49" name="Picture 48">
+            <a:extLst>
+              <a:ext uri="{FF2B5EF4-FFF2-40B4-BE49-F238E27FC236}">
+                <a16:creationId xmlns:a16="http://schemas.microsoft.com/office/drawing/2014/main" id="{7B0154E4-7A91-42F8-9199-85A3F68032AE}"/>
+              </a:ext>
+            </a:extLst>
+          </p:cNvPr>
+          <p:cNvPicPr>
+            <a:picLocks noChangeAspect="1"/>
+          </p:cNvPicPr>
+          <p:nvPr/>
+        </p:nvPicPr>
+        <p:blipFill>
+          <a:blip r:embed="rId6"/>
+          <a:stretch>
+            <a:fillRect/>
+          </a:stretch>
+        </p:blipFill>
+        <p:spPr>
+          <a:xfrm>
+            <a:off x="3357887" y="2341836"/>
+            <a:ext cx="11572223" cy="6696938"/>
+          </a:xfrm>
+          <a:prstGeom prst="rect">
+            <a:avLst/>
+          </a:prstGeom>
+        </p:spPr>
+      </p:pic>
+    </p:spTree>
+    <p:extLst>
+      <p:ext uri="{BB962C8B-B14F-4D97-AF65-F5344CB8AC3E}">
+        <p14:creationId xmlns:p14="http://schemas.microsoft.com/office/powerpoint/2010/main" val="1806738704"/>
+      </p:ext>
+    </p:extLst>
+  </p:cSld>
+  <p:clrMapOvr>
+    <a:masterClrMapping/>
+  </p:clrMapOvr>
+</p:sld>
+</file>
+
+<file path=ppt/slides/slide6.xml><?xml version="1.0" encoding="utf-8"?>
 <p:sld xmlns:a="http://schemas.openxmlformats.org/drawingml/2006/main" xmlns:r="http://schemas.openxmlformats.org/officeDocument/2006/relationships" xmlns:p="http://schemas.openxmlformats.org/presentationml/2006/main">
   <p:cSld>
     <p:bg>
@@ -7353,7 +8651,7 @@
 </p:sld>
 </file>
 
-<file path=ppt/slides/slide6.xml><?xml version="1.0" encoding="utf-8"?>
+<file path=ppt/slides/slide7.xml><?xml version="1.0" encoding="utf-8"?>
 <p:sld xmlns:a="http://schemas.openxmlformats.org/drawingml/2006/main" xmlns:r="http://schemas.openxmlformats.org/officeDocument/2006/relationships" xmlns:p="http://schemas.openxmlformats.org/presentationml/2006/main">
   <p:cSld>
     <p:bg>
@@ -8485,7 +9783,7 @@
               </a:lnSpc>
             </a:pPr>
             <a:r>
-              <a:rPr lang="en-US" sz="8799">
+              <a:rPr lang="en-US" sz="8799" dirty="0">
                 <a:solidFill>
                   <a:srgbClr val="0C1E2C"/>
                 </a:solidFill>
@@ -8776,7 +10074,426 @@
 </p:sld>
 </file>
 
-<file path=ppt/slides/slide7.xml><?xml version="1.0" encoding="utf-8"?>
+<file path=ppt/slides/slide8.xml><?xml version="1.0" encoding="utf-8"?>
+<p:sld xmlns:a="http://schemas.openxmlformats.org/drawingml/2006/main" xmlns:r="http://schemas.openxmlformats.org/officeDocument/2006/relationships" xmlns:p="http://schemas.openxmlformats.org/presentationml/2006/main">
+  <p:cSld>
+    <p:bg>
+      <p:bgPr>
+        <a:solidFill>
+          <a:srgbClr val="E6E6E6"/>
+        </a:solidFill>
+        <a:effectLst/>
+      </p:bgPr>
+    </p:bg>
+    <p:spTree>
+      <p:nvGrpSpPr>
+        <p:cNvPr id="1" name=""/>
+        <p:cNvGrpSpPr/>
+        <p:nvPr/>
+      </p:nvGrpSpPr>
+      <p:grpSpPr>
+        <a:xfrm>
+          <a:off x="0" y="0"/>
+          <a:ext cx="0" cy="0"/>
+          <a:chOff x="0" y="0"/>
+          <a:chExt cx="0" cy="0"/>
+        </a:xfrm>
+      </p:grpSpPr>
+      <p:pic>
+        <p:nvPicPr>
+          <p:cNvPr id="2" name="Picture 2"/>
+          <p:cNvPicPr>
+            <a:picLocks noChangeAspect="1"/>
+          </p:cNvPicPr>
+          <p:nvPr/>
+        </p:nvPicPr>
+        <p:blipFill>
+          <a:blip r:embed="rId2">
+            <a:alphaModFix amt="57000"/>
+            <a:extLst>
+              <a:ext uri="{28A0092B-C50C-407E-A947-70E740481C1C}">
+                <a14:useLocalDpi xmlns:a14="http://schemas.microsoft.com/office/drawing/2010/main" val="0"/>
+              </a:ext>
+              <a:ext uri="{96DAC541-7B7A-43D3-8B79-37D633B846F1}">
+                <asvg:svgBlip xmlns:asvg="http://schemas.microsoft.com/office/drawing/2016/SVG/main" r:embed="rId3"/>
+              </a:ext>
+            </a:extLst>
+          </a:blip>
+          <a:srcRect/>
+          <a:stretch>
+            <a:fillRect/>
+          </a:stretch>
+        </p:blipFill>
+        <p:spPr>
+          <a:xfrm rot="-5328238">
+            <a:off x="-3509825" y="-1642278"/>
+            <a:ext cx="5431503" cy="6236590"/>
+          </a:xfrm>
+          <a:prstGeom prst="rect">
+            <a:avLst/>
+          </a:prstGeom>
+        </p:spPr>
+      </p:pic>
+      <p:pic>
+        <p:nvPicPr>
+          <p:cNvPr id="3" name="Picture 3"/>
+          <p:cNvPicPr>
+            <a:picLocks noChangeAspect="1"/>
+          </p:cNvPicPr>
+          <p:nvPr/>
+        </p:nvPicPr>
+        <p:blipFill>
+          <a:blip r:embed="rId2">
+            <a:alphaModFix amt="71000"/>
+            <a:extLst>
+              <a:ext uri="{28A0092B-C50C-407E-A947-70E740481C1C}">
+                <a14:useLocalDpi xmlns:a14="http://schemas.microsoft.com/office/drawing/2010/main" val="0"/>
+              </a:ext>
+              <a:ext uri="{96DAC541-7B7A-43D3-8B79-37D633B846F1}">
+                <asvg:svgBlip xmlns:asvg="http://schemas.microsoft.com/office/drawing/2016/SVG/main" r:embed="rId3"/>
+              </a:ext>
+            </a:extLst>
+          </a:blip>
+          <a:srcRect/>
+          <a:stretch>
+            <a:fillRect/>
+          </a:stretch>
+        </p:blipFill>
+        <p:spPr>
+          <a:xfrm rot="-328852">
+            <a:off x="17767707" y="107996"/>
+            <a:ext cx="3426711" cy="3934637"/>
+          </a:xfrm>
+          <a:prstGeom prst="rect">
+            <a:avLst/>
+          </a:prstGeom>
+        </p:spPr>
+      </p:pic>
+      <p:pic>
+        <p:nvPicPr>
+          <p:cNvPr id="4" name="Picture 4"/>
+          <p:cNvPicPr>
+            <a:picLocks noChangeAspect="1"/>
+          </p:cNvPicPr>
+          <p:nvPr/>
+        </p:nvPicPr>
+        <p:blipFill>
+          <a:blip r:embed="rId2">
+            <a:alphaModFix amt="88000"/>
+            <a:extLst>
+              <a:ext uri="{28A0092B-C50C-407E-A947-70E740481C1C}">
+                <a14:useLocalDpi xmlns:a14="http://schemas.microsoft.com/office/drawing/2010/main" val="0"/>
+              </a:ext>
+              <a:ext uri="{96DAC541-7B7A-43D3-8B79-37D633B846F1}">
+                <asvg:svgBlip xmlns:asvg="http://schemas.microsoft.com/office/drawing/2016/SVG/main" r:embed="rId3"/>
+              </a:ext>
+            </a:extLst>
+          </a:blip>
+          <a:srcRect/>
+          <a:stretch>
+            <a:fillRect/>
+          </a:stretch>
+        </p:blipFill>
+        <p:spPr>
+          <a:xfrm rot="7612335">
+            <a:off x="16553094" y="8027792"/>
+            <a:ext cx="3935129" cy="4518416"/>
+          </a:xfrm>
+          <a:prstGeom prst="rect">
+            <a:avLst/>
+          </a:prstGeom>
+        </p:spPr>
+      </p:pic>
+      <p:grpSp>
+        <p:nvGrpSpPr>
+          <p:cNvPr id="5" name="Group 5"/>
+          <p:cNvGrpSpPr/>
+          <p:nvPr/>
+        </p:nvGrpSpPr>
+        <p:grpSpPr>
+          <a:xfrm>
+            <a:off x="1290814" y="4155579"/>
+            <a:ext cx="187680" cy="187680"/>
+            <a:chOff x="0" y="0"/>
+            <a:chExt cx="6350000" cy="6350000"/>
+          </a:xfrm>
+        </p:grpSpPr>
+        <p:sp>
+          <p:nvSpPr>
+            <p:cNvPr id="6" name="Freeform 6"/>
+            <p:cNvSpPr/>
+            <p:nvPr/>
+          </p:nvSpPr>
+          <p:spPr>
+            <a:xfrm>
+              <a:off x="14167" y="0"/>
+              <a:ext cx="6321665" cy="6350000"/>
+            </a:xfrm>
+            <a:custGeom>
+              <a:avLst/>
+              <a:gdLst/>
+              <a:ahLst/>
+              <a:cxnLst/>
+              <a:rect l="l" t="t" r="r" b="b"/>
+              <a:pathLst>
+                <a:path w="6321665" h="6350000">
+                  <a:moveTo>
+                    <a:pt x="3160833" y="0"/>
+                  </a:moveTo>
+                  <a:lnTo>
+                    <a:pt x="3160833" y="0"/>
+                  </a:lnTo>
+                  <a:cubicBezTo>
+                    <a:pt x="4908795" y="7817"/>
+                    <a:pt x="6321666" y="1427021"/>
+                    <a:pt x="6321666" y="3175000"/>
+                  </a:cubicBezTo>
+                  <a:cubicBezTo>
+                    <a:pt x="6321666" y="4922979"/>
+                    <a:pt x="4908795" y="6342183"/>
+                    <a:pt x="3160833" y="6350000"/>
+                  </a:cubicBezTo>
+                  <a:cubicBezTo>
+                    <a:pt x="1412871" y="6342183"/>
+                    <a:pt x="0" y="4922979"/>
+                    <a:pt x="0" y="3175000"/>
+                  </a:cubicBezTo>
+                  <a:cubicBezTo>
+                    <a:pt x="0" y="1427021"/>
+                    <a:pt x="1412871" y="7817"/>
+                    <a:pt x="3160833" y="0"/>
+                  </a:cubicBezTo>
+                  <a:close/>
+                </a:path>
+              </a:pathLst>
+            </a:custGeom>
+            <a:solidFill>
+              <a:srgbClr val="A289B4"/>
+            </a:solidFill>
+          </p:spPr>
+        </p:sp>
+      </p:grpSp>
+      <p:sp>
+        <p:nvSpPr>
+          <p:cNvPr id="33" name="TextBox 33"/>
+          <p:cNvSpPr txBox="1"/>
+          <p:nvPr/>
+        </p:nvSpPr>
+        <p:spPr>
+          <a:xfrm>
+            <a:off x="3631979" y="371475"/>
+            <a:ext cx="10917510" cy="1323975"/>
+          </a:xfrm>
+          <a:prstGeom prst="rect">
+            <a:avLst/>
+          </a:prstGeom>
+        </p:spPr>
+        <p:txBody>
+          <a:bodyPr lIns="0" tIns="0" rIns="0" bIns="0" rtlCol="0" anchor="t">
+            <a:spAutoFit/>
+          </a:bodyPr>
+          <a:lstStyle/>
+          <a:p>
+            <a:pPr marL="0" marR="0" lvl="0" indent="0" algn="ctr" defTabSz="914400" rtl="0" eaLnBrk="1" fontAlgn="auto" latinLnBrk="0" hangingPunct="1">
+              <a:lnSpc>
+                <a:spcPts val="10560"/>
+              </a:lnSpc>
+              <a:spcBef>
+                <a:spcPts val="0"/>
+              </a:spcBef>
+              <a:spcAft>
+                <a:spcPts val="0"/>
+              </a:spcAft>
+              <a:buClrTx/>
+              <a:buSzTx/>
+              <a:buFontTx/>
+              <a:buNone/>
+              <a:tabLst/>
+              <a:defRPr/>
+            </a:pPr>
+            <a:r>
+              <a:rPr kumimoji="0" lang="en-US" sz="8799" b="0" i="0" u="none" strike="noStrike" kern="1200" cap="none" spc="0" normalizeH="0" baseline="0" noProof="0" dirty="0">
+                <a:ln>
+                  <a:noFill/>
+                </a:ln>
+                <a:solidFill>
+                  <a:srgbClr val="0C1E2C"/>
+                </a:solidFill>
+                <a:effectLst/>
+                <a:uLnTx/>
+                <a:uFillTx/>
+                <a:latin typeface="Berkshire Swash"/>
+                <a:ea typeface="+mn-ea"/>
+                <a:cs typeface="+mn-cs"/>
+              </a:rPr>
+              <a:t>TF-IDF: Output</a:t>
+            </a:r>
+          </a:p>
+        </p:txBody>
+      </p:sp>
+      <p:pic>
+        <p:nvPicPr>
+          <p:cNvPr id="8" name="Picture 7">
+            <a:extLst>
+              <a:ext uri="{FF2B5EF4-FFF2-40B4-BE49-F238E27FC236}">
+                <a16:creationId xmlns:a16="http://schemas.microsoft.com/office/drawing/2014/main" id="{600FF101-55AF-47FB-B882-9D33C472802B}"/>
+              </a:ext>
+            </a:extLst>
+          </p:cNvPr>
+          <p:cNvPicPr>
+            <a:picLocks noChangeAspect="1"/>
+          </p:cNvPicPr>
+          <p:nvPr/>
+        </p:nvPicPr>
+        <p:blipFill rotWithShape="1">
+          <a:blip r:embed="rId4"/>
+          <a:srcRect r="79585"/>
+          <a:stretch/>
+        </p:blipFill>
+        <p:spPr>
+          <a:xfrm>
+            <a:off x="1291233" y="2705100"/>
+            <a:ext cx="3204567" cy="5347209"/>
+          </a:xfrm>
+          <a:prstGeom prst="rect">
+            <a:avLst/>
+          </a:prstGeom>
+        </p:spPr>
+      </p:pic>
+      <p:pic>
+        <p:nvPicPr>
+          <p:cNvPr id="10" name="Picture 9">
+            <a:extLst>
+              <a:ext uri="{FF2B5EF4-FFF2-40B4-BE49-F238E27FC236}">
+                <a16:creationId xmlns:a16="http://schemas.microsoft.com/office/drawing/2014/main" id="{39C05F53-C87C-4BEC-B5E0-64CC9B21941D}"/>
+              </a:ext>
+            </a:extLst>
+          </p:cNvPr>
+          <p:cNvPicPr>
+            <a:picLocks noChangeAspect="1"/>
+          </p:cNvPicPr>
+          <p:nvPr/>
+        </p:nvPicPr>
+        <p:blipFill>
+          <a:blip r:embed="rId5"/>
+          <a:stretch>
+            <a:fillRect/>
+          </a:stretch>
+        </p:blipFill>
+        <p:spPr>
+          <a:xfrm>
+            <a:off x="4550219" y="2705100"/>
+            <a:ext cx="3210084" cy="5347209"/>
+          </a:xfrm>
+          <a:prstGeom prst="rect">
+            <a:avLst/>
+          </a:prstGeom>
+        </p:spPr>
+      </p:pic>
+      <p:pic>
+        <p:nvPicPr>
+          <p:cNvPr id="12" name="Picture 11">
+            <a:extLst>
+              <a:ext uri="{FF2B5EF4-FFF2-40B4-BE49-F238E27FC236}">
+                <a16:creationId xmlns:a16="http://schemas.microsoft.com/office/drawing/2014/main" id="{2EE6AF21-D47A-4E35-A24B-3EB73B04878A}"/>
+              </a:ext>
+            </a:extLst>
+          </p:cNvPr>
+          <p:cNvPicPr>
+            <a:picLocks noChangeAspect="1"/>
+          </p:cNvPicPr>
+          <p:nvPr/>
+        </p:nvPicPr>
+        <p:blipFill>
+          <a:blip r:embed="rId6"/>
+          <a:stretch>
+            <a:fillRect/>
+          </a:stretch>
+        </p:blipFill>
+        <p:spPr>
+          <a:xfrm>
+            <a:off x="7814722" y="2705099"/>
+            <a:ext cx="2639762" cy="5340509"/>
+          </a:xfrm>
+          <a:prstGeom prst="rect">
+            <a:avLst/>
+          </a:prstGeom>
+        </p:spPr>
+      </p:pic>
+      <p:pic>
+        <p:nvPicPr>
+          <p:cNvPr id="16" name="Picture 15">
+            <a:extLst>
+              <a:ext uri="{FF2B5EF4-FFF2-40B4-BE49-F238E27FC236}">
+                <a16:creationId xmlns:a16="http://schemas.microsoft.com/office/drawing/2014/main" id="{7598298F-579C-4D04-B8AB-B98BE1802C1B}"/>
+              </a:ext>
+            </a:extLst>
+          </p:cNvPr>
+          <p:cNvPicPr>
+            <a:picLocks noChangeAspect="1"/>
+          </p:cNvPicPr>
+          <p:nvPr/>
+        </p:nvPicPr>
+        <p:blipFill>
+          <a:blip r:embed="rId7"/>
+          <a:stretch>
+            <a:fillRect/>
+          </a:stretch>
+        </p:blipFill>
+        <p:spPr>
+          <a:xfrm>
+            <a:off x="10553355" y="2705099"/>
+            <a:ext cx="2926334" cy="5347210"/>
+          </a:xfrm>
+          <a:prstGeom prst="rect">
+            <a:avLst/>
+          </a:prstGeom>
+        </p:spPr>
+      </p:pic>
+      <p:pic>
+        <p:nvPicPr>
+          <p:cNvPr id="18" name="Picture 17">
+            <a:extLst>
+              <a:ext uri="{FF2B5EF4-FFF2-40B4-BE49-F238E27FC236}">
+                <a16:creationId xmlns:a16="http://schemas.microsoft.com/office/drawing/2014/main" id="{6C21BFA0-0E5D-4AB1-AA9F-DE678CA6AD24}"/>
+              </a:ext>
+            </a:extLst>
+          </p:cNvPr>
+          <p:cNvPicPr>
+            <a:picLocks noChangeAspect="1"/>
+          </p:cNvPicPr>
+          <p:nvPr/>
+        </p:nvPicPr>
+        <p:blipFill>
+          <a:blip r:embed="rId8"/>
+          <a:stretch>
+            <a:fillRect/>
+          </a:stretch>
+        </p:blipFill>
+        <p:spPr>
+          <a:xfrm>
+            <a:off x="13578560" y="2705099"/>
+            <a:ext cx="3040220" cy="5347210"/>
+          </a:xfrm>
+          <a:prstGeom prst="rect">
+            <a:avLst/>
+          </a:prstGeom>
+        </p:spPr>
+      </p:pic>
+    </p:spTree>
+    <p:extLst>
+      <p:ext uri="{BB962C8B-B14F-4D97-AF65-F5344CB8AC3E}">
+        <p14:creationId xmlns:p14="http://schemas.microsoft.com/office/powerpoint/2010/main" val="3814424452"/>
+      </p:ext>
+    </p:extLst>
+  </p:cSld>
+  <p:clrMapOvr>
+    <a:masterClrMapping/>
+  </p:clrMapOvr>
+</p:sld>
+</file>
+
+<file path=ppt/slides/slide9.xml><?xml version="1.0" encoding="utf-8"?>
 <p:sld xmlns:a="http://schemas.openxmlformats.org/drawingml/2006/main" xmlns:r="http://schemas.openxmlformats.org/officeDocument/2006/relationships" xmlns:p="http://schemas.openxmlformats.org/presentationml/2006/main">
   <p:cSld>
     <p:bg>
@@ -9292,797 +11009,6 @@
           </a:prstGeom>
         </p:spPr>
       </p:pic>
-    </p:spTree>
-  </p:cSld>
-  <p:clrMapOvr>
-    <a:masterClrMapping/>
-  </p:clrMapOvr>
-</p:sld>
-</file>
-
-<file path=ppt/slides/slide8.xml><?xml version="1.0" encoding="utf-8"?>
-<p:sld xmlns:a="http://schemas.openxmlformats.org/drawingml/2006/main" xmlns:r="http://schemas.openxmlformats.org/officeDocument/2006/relationships" xmlns:p="http://schemas.openxmlformats.org/presentationml/2006/main">
-  <p:cSld>
-    <p:spTree>
-      <p:nvGrpSpPr>
-        <p:cNvPr id="1" name=""/>
-        <p:cNvGrpSpPr/>
-        <p:nvPr/>
-      </p:nvGrpSpPr>
-      <p:grpSpPr>
-        <a:xfrm>
-          <a:off x="0" y="0"/>
-          <a:ext cx="0" cy="0"/>
-          <a:chOff x="0" y="0"/>
-          <a:chExt cx="0" cy="0"/>
-        </a:xfrm>
-      </p:grpSpPr>
-      <p:pic>
-        <p:nvPicPr>
-          <p:cNvPr id="5" name="Picture 4">
-            <a:extLst>
-              <a:ext uri="{FF2B5EF4-FFF2-40B4-BE49-F238E27FC236}">
-                <a16:creationId xmlns:a16="http://schemas.microsoft.com/office/drawing/2014/main" id="{23885E78-8729-4DE0-A73F-B237F7D76746}"/>
-              </a:ext>
-            </a:extLst>
-          </p:cNvPr>
-          <p:cNvPicPr>
-            <a:picLocks noChangeAspect="1"/>
-          </p:cNvPicPr>
-          <p:nvPr/>
-        </p:nvPicPr>
-        <p:blipFill>
-          <a:blip r:embed="rId2"/>
-          <a:stretch>
-            <a:fillRect/>
-          </a:stretch>
-        </p:blipFill>
-        <p:spPr>
-          <a:xfrm>
-            <a:off x="1752600" y="75282"/>
-            <a:ext cx="14173200" cy="10136435"/>
-          </a:xfrm>
-          <a:prstGeom prst="rect">
-            <a:avLst/>
-          </a:prstGeom>
-        </p:spPr>
-      </p:pic>
-    </p:spTree>
-  </p:cSld>
-  <p:clrMapOvr>
-    <a:masterClrMapping/>
-  </p:clrMapOvr>
-</p:sld>
-</file>
-
-<file path=ppt/slides/slide9.xml><?xml version="1.0" encoding="utf-8"?>
-<p:sld xmlns:a="http://schemas.openxmlformats.org/drawingml/2006/main" xmlns:r="http://schemas.openxmlformats.org/officeDocument/2006/relationships" xmlns:p="http://schemas.openxmlformats.org/presentationml/2006/main">
-  <p:cSld>
-    <p:bg>
-      <p:bgPr>
-        <a:solidFill>
-          <a:srgbClr val="DC50B1"/>
-        </a:solidFill>
-        <a:effectLst/>
-      </p:bgPr>
-    </p:bg>
-    <p:spTree>
-      <p:nvGrpSpPr>
-        <p:cNvPr id="1" name=""/>
-        <p:cNvGrpSpPr/>
-        <p:nvPr/>
-      </p:nvGrpSpPr>
-      <p:grpSpPr>
-        <a:xfrm>
-          <a:off x="0" y="0"/>
-          <a:ext cx="0" cy="0"/>
-          <a:chOff x="0" y="0"/>
-          <a:chExt cx="0" cy="0"/>
-        </a:xfrm>
-      </p:grpSpPr>
-      <p:grpSp>
-        <p:nvGrpSpPr>
-          <p:cNvPr id="2" name="Group 2"/>
-          <p:cNvGrpSpPr/>
-          <p:nvPr/>
-        </p:nvGrpSpPr>
-        <p:grpSpPr>
-          <a:xfrm>
-            <a:off x="3537079" y="3930072"/>
-            <a:ext cx="11213841" cy="2426856"/>
-            <a:chOff x="0" y="0"/>
-            <a:chExt cx="14951788" cy="3235808"/>
-          </a:xfrm>
-        </p:grpSpPr>
-        <p:sp>
-          <p:nvSpPr>
-            <p:cNvPr id="3" name="TextBox 3"/>
-            <p:cNvSpPr txBox="1"/>
-            <p:nvPr/>
-          </p:nvSpPr>
-          <p:spPr>
-            <a:xfrm>
-              <a:off x="0" y="9525"/>
-              <a:ext cx="14951788" cy="1768475"/>
-            </a:xfrm>
-            <a:prstGeom prst="rect">
-              <a:avLst/>
-            </a:prstGeom>
-          </p:spPr>
-          <p:txBody>
-            <a:bodyPr lIns="0" tIns="0" rIns="0" bIns="0" rtlCol="0" anchor="t">
-              <a:spAutoFit/>
-            </a:bodyPr>
-            <a:lstStyle/>
-            <a:p>
-              <a:pPr algn="ctr">
-                <a:lnSpc>
-                  <a:spcPts val="10560"/>
-                </a:lnSpc>
-              </a:pPr>
-              <a:r>
-                <a:rPr lang="en-US" sz="8799">
-                  <a:solidFill>
-                    <a:srgbClr val="A9E5DD"/>
-                  </a:solidFill>
-                  <a:latin typeface="Berkshire Swash"/>
-                </a:rPr>
-                <a:t>Thank you!!</a:t>
-              </a:r>
-            </a:p>
-          </p:txBody>
-        </p:sp>
-        <p:sp>
-          <p:nvSpPr>
-            <p:cNvPr id="4" name="TextBox 4"/>
-            <p:cNvSpPr txBox="1"/>
-            <p:nvPr/>
-          </p:nvSpPr>
-          <p:spPr>
-            <a:xfrm>
-              <a:off x="0" y="2340106"/>
-              <a:ext cx="14951788" cy="895703"/>
-            </a:xfrm>
-            <a:prstGeom prst="rect">
-              <a:avLst/>
-            </a:prstGeom>
-          </p:spPr>
-          <p:txBody>
-            <a:bodyPr lIns="0" tIns="0" rIns="0" bIns="0" rtlCol="0" anchor="t">
-              <a:spAutoFit/>
-            </a:bodyPr>
-            <a:lstStyle/>
-            <a:p>
-              <a:pPr algn="ctr">
-                <a:lnSpc>
-                  <a:spcPts val="5600"/>
-                </a:lnSpc>
-                <a:spcBef>
-                  <a:spcPct val="0"/>
-                </a:spcBef>
-              </a:pPr>
-              <a:endParaRPr/>
-            </a:p>
-          </p:txBody>
-        </p:sp>
-      </p:grpSp>
-      <p:pic>
-        <p:nvPicPr>
-          <p:cNvPr id="5" name="Picture 5"/>
-          <p:cNvPicPr>
-            <a:picLocks noChangeAspect="1"/>
-          </p:cNvPicPr>
-          <p:nvPr/>
-        </p:nvPicPr>
-        <p:blipFill>
-          <a:blip r:embed="rId2">
-            <a:extLst>
-              <a:ext uri="{28A0092B-C50C-407E-A947-70E740481C1C}">
-                <a14:useLocalDpi xmlns:a14="http://schemas.microsoft.com/office/drawing/2010/main" val="0"/>
-              </a:ext>
-              <a:ext uri="{96DAC541-7B7A-43D3-8B79-37D633B846F1}">
-                <asvg:svgBlip xmlns:asvg="http://schemas.microsoft.com/office/drawing/2016/SVG/main" r:embed="rId3"/>
-              </a:ext>
-            </a:extLst>
-          </a:blip>
-          <a:srcRect/>
-          <a:stretch>
-            <a:fillRect/>
-          </a:stretch>
-        </p:blipFill>
-        <p:spPr>
-          <a:xfrm>
-            <a:off x="-2231559" y="3952869"/>
-            <a:ext cx="6520518" cy="6977208"/>
-          </a:xfrm>
-          <a:prstGeom prst="rect">
-            <a:avLst/>
-          </a:prstGeom>
-        </p:spPr>
-      </p:pic>
-      <p:pic>
-        <p:nvPicPr>
-          <p:cNvPr id="6" name="Picture 6"/>
-          <p:cNvPicPr>
-            <a:picLocks noChangeAspect="1"/>
-          </p:cNvPicPr>
-          <p:nvPr/>
-        </p:nvPicPr>
-        <p:blipFill>
-          <a:blip r:embed="rId4">
-            <a:extLst>
-              <a:ext uri="{28A0092B-C50C-407E-A947-70E740481C1C}">
-                <a14:useLocalDpi xmlns:a14="http://schemas.microsoft.com/office/drawing/2010/main" val="0"/>
-              </a:ext>
-              <a:ext uri="{96DAC541-7B7A-43D3-8B79-37D633B846F1}">
-                <asvg:svgBlip xmlns:asvg="http://schemas.microsoft.com/office/drawing/2016/SVG/main" r:embed="rId5"/>
-              </a:ext>
-            </a:extLst>
-          </a:blip>
-          <a:srcRect/>
-          <a:stretch>
-            <a:fillRect/>
-          </a:stretch>
-        </p:blipFill>
-        <p:spPr>
-          <a:xfrm>
-            <a:off x="14750921" y="231000"/>
-            <a:ext cx="4538864" cy="3721869"/>
-          </a:xfrm>
-          <a:prstGeom prst="rect">
-            <a:avLst/>
-          </a:prstGeom>
-        </p:spPr>
-      </p:pic>
-      <p:pic>
-        <p:nvPicPr>
-          <p:cNvPr id="7" name="Picture 7"/>
-          <p:cNvPicPr>
-            <a:picLocks noChangeAspect="1"/>
-          </p:cNvPicPr>
-          <p:nvPr/>
-        </p:nvPicPr>
-        <p:blipFill>
-          <a:blip r:embed="rId6">
-            <a:extLst>
-              <a:ext uri="{28A0092B-C50C-407E-A947-70E740481C1C}">
-                <a14:useLocalDpi xmlns:a14="http://schemas.microsoft.com/office/drawing/2010/main" val="0"/>
-              </a:ext>
-              <a:ext uri="{96DAC541-7B7A-43D3-8B79-37D633B846F1}">
-                <asvg:svgBlip xmlns:asvg="http://schemas.microsoft.com/office/drawing/2016/SVG/main" r:embed="rId7"/>
-              </a:ext>
-            </a:extLst>
-          </a:blip>
-          <a:srcRect/>
-          <a:stretch>
-            <a:fillRect/>
-          </a:stretch>
-        </p:blipFill>
-        <p:spPr>
-          <a:xfrm rot="-1245958">
-            <a:off x="2557955" y="-2374195"/>
-            <a:ext cx="3462008" cy="4748390"/>
-          </a:xfrm>
-          <a:prstGeom prst="rect">
-            <a:avLst/>
-          </a:prstGeom>
-        </p:spPr>
-      </p:pic>
-      <p:pic>
-        <p:nvPicPr>
-          <p:cNvPr id="8" name="Picture 8"/>
-          <p:cNvPicPr>
-            <a:picLocks noChangeAspect="1"/>
-          </p:cNvPicPr>
-          <p:nvPr/>
-        </p:nvPicPr>
-        <p:blipFill>
-          <a:blip r:embed="rId8">
-            <a:extLst>
-              <a:ext uri="{28A0092B-C50C-407E-A947-70E740481C1C}">
-                <a14:useLocalDpi xmlns:a14="http://schemas.microsoft.com/office/drawing/2010/main" val="0"/>
-              </a:ext>
-              <a:ext uri="{96DAC541-7B7A-43D3-8B79-37D633B846F1}">
-                <asvg:svgBlip xmlns:asvg="http://schemas.microsoft.com/office/drawing/2016/SVG/main" r:embed="rId9"/>
-              </a:ext>
-            </a:extLst>
-          </a:blip>
-          <a:srcRect/>
-          <a:stretch>
-            <a:fillRect/>
-          </a:stretch>
-        </p:blipFill>
-        <p:spPr>
-          <a:xfrm rot="852599">
-            <a:off x="13199137" y="6835485"/>
-            <a:ext cx="2801656" cy="4845631"/>
-          </a:xfrm>
-          <a:prstGeom prst="rect">
-            <a:avLst/>
-          </a:prstGeom>
-        </p:spPr>
-      </p:pic>
-      <p:grpSp>
-        <p:nvGrpSpPr>
-          <p:cNvPr id="9" name="Group 9"/>
-          <p:cNvGrpSpPr/>
-          <p:nvPr/>
-        </p:nvGrpSpPr>
-        <p:grpSpPr>
-          <a:xfrm>
-            <a:off x="1028700" y="1679406"/>
-            <a:ext cx="180541" cy="180541"/>
-            <a:chOff x="0" y="0"/>
-            <a:chExt cx="6350000" cy="6350000"/>
-          </a:xfrm>
-        </p:grpSpPr>
-        <p:sp>
-          <p:nvSpPr>
-            <p:cNvPr id="10" name="Freeform 10"/>
-            <p:cNvSpPr/>
-            <p:nvPr/>
-          </p:nvSpPr>
-          <p:spPr>
-            <a:xfrm>
-              <a:off x="14167" y="0"/>
-              <a:ext cx="6321665" cy="6350000"/>
-            </a:xfrm>
-            <a:custGeom>
-              <a:avLst/>
-              <a:gdLst/>
-              <a:ahLst/>
-              <a:cxnLst/>
-              <a:rect l="l" t="t" r="r" b="b"/>
-              <a:pathLst>
-                <a:path w="6321665" h="6350000">
-                  <a:moveTo>
-                    <a:pt x="3160833" y="0"/>
-                  </a:moveTo>
-                  <a:lnTo>
-                    <a:pt x="3160833" y="0"/>
-                  </a:lnTo>
-                  <a:cubicBezTo>
-                    <a:pt x="4908795" y="7817"/>
-                    <a:pt x="6321666" y="1427021"/>
-                    <a:pt x="6321666" y="3175000"/>
-                  </a:cubicBezTo>
-                  <a:cubicBezTo>
-                    <a:pt x="6321666" y="4922979"/>
-                    <a:pt x="4908795" y="6342183"/>
-                    <a:pt x="3160833" y="6350000"/>
-                  </a:cubicBezTo>
-                  <a:cubicBezTo>
-                    <a:pt x="1412871" y="6342183"/>
-                    <a:pt x="0" y="4922979"/>
-                    <a:pt x="0" y="3175000"/>
-                  </a:cubicBezTo>
-                  <a:cubicBezTo>
-                    <a:pt x="0" y="1427021"/>
-                    <a:pt x="1412871" y="7817"/>
-                    <a:pt x="3160833" y="0"/>
-                  </a:cubicBezTo>
-                  <a:close/>
-                </a:path>
-              </a:pathLst>
-            </a:custGeom>
-            <a:solidFill>
-              <a:srgbClr val="FFFFFF"/>
-            </a:solidFill>
-          </p:spPr>
-        </p:sp>
-      </p:grpSp>
-      <p:pic>
-        <p:nvPicPr>
-          <p:cNvPr id="11" name="Picture 11"/>
-          <p:cNvPicPr>
-            <a:picLocks noChangeAspect="1"/>
-          </p:cNvPicPr>
-          <p:nvPr/>
-        </p:nvPicPr>
-        <p:blipFill>
-          <a:blip r:embed="rId10" cstate="print">
-            <a:extLst>
-              <a:ext uri="{28A0092B-C50C-407E-A947-70E740481C1C}">
-                <a14:useLocalDpi xmlns:a14="http://schemas.microsoft.com/office/drawing/2010/main" val="0"/>
-              </a:ext>
-              <a:ext uri="{96DAC541-7B7A-43D3-8B79-37D633B846F1}">
-                <asvg:svgBlip xmlns:asvg="http://schemas.microsoft.com/office/drawing/2016/SVG/main" r:embed="rId11"/>
-              </a:ext>
-            </a:extLst>
-          </a:blip>
-          <a:srcRect/>
-          <a:stretch>
-            <a:fillRect/>
-          </a:stretch>
-        </p:blipFill>
-        <p:spPr>
-          <a:xfrm rot="547225">
-            <a:off x="4683711" y="8293480"/>
-            <a:ext cx="716501" cy="1027311"/>
-          </a:xfrm>
-          <a:prstGeom prst="rect">
-            <a:avLst/>
-          </a:prstGeom>
-        </p:spPr>
-      </p:pic>
-      <p:grpSp>
-        <p:nvGrpSpPr>
-          <p:cNvPr id="12" name="Group 12"/>
-          <p:cNvGrpSpPr/>
-          <p:nvPr/>
-        </p:nvGrpSpPr>
-        <p:grpSpPr>
-          <a:xfrm>
-            <a:off x="17259300" y="4962959"/>
-            <a:ext cx="180541" cy="180541"/>
-            <a:chOff x="0" y="0"/>
-            <a:chExt cx="6350000" cy="6350000"/>
-          </a:xfrm>
-        </p:grpSpPr>
-        <p:sp>
-          <p:nvSpPr>
-            <p:cNvPr id="13" name="Freeform 13"/>
-            <p:cNvSpPr/>
-            <p:nvPr/>
-          </p:nvSpPr>
-          <p:spPr>
-            <a:xfrm>
-              <a:off x="14167" y="0"/>
-              <a:ext cx="6321665" cy="6350000"/>
-            </a:xfrm>
-            <a:custGeom>
-              <a:avLst/>
-              <a:gdLst/>
-              <a:ahLst/>
-              <a:cxnLst/>
-              <a:rect l="l" t="t" r="r" b="b"/>
-              <a:pathLst>
-                <a:path w="6321665" h="6350000">
-                  <a:moveTo>
-                    <a:pt x="3160833" y="0"/>
-                  </a:moveTo>
-                  <a:lnTo>
-                    <a:pt x="3160833" y="0"/>
-                  </a:lnTo>
-                  <a:cubicBezTo>
-                    <a:pt x="4908795" y="7817"/>
-                    <a:pt x="6321666" y="1427021"/>
-                    <a:pt x="6321666" y="3175000"/>
-                  </a:cubicBezTo>
-                  <a:cubicBezTo>
-                    <a:pt x="6321666" y="4922979"/>
-                    <a:pt x="4908795" y="6342183"/>
-                    <a:pt x="3160833" y="6350000"/>
-                  </a:cubicBezTo>
-                  <a:cubicBezTo>
-                    <a:pt x="1412871" y="6342183"/>
-                    <a:pt x="0" y="4922979"/>
-                    <a:pt x="0" y="3175000"/>
-                  </a:cubicBezTo>
-                  <a:cubicBezTo>
-                    <a:pt x="0" y="1427021"/>
-                    <a:pt x="1412871" y="7817"/>
-                    <a:pt x="3160833" y="0"/>
-                  </a:cubicBezTo>
-                  <a:close/>
-                </a:path>
-              </a:pathLst>
-            </a:custGeom>
-            <a:solidFill>
-              <a:srgbClr val="FFFFFF"/>
-            </a:solidFill>
-          </p:spPr>
-        </p:sp>
-      </p:grpSp>
-      <p:grpSp>
-        <p:nvGrpSpPr>
-          <p:cNvPr id="14" name="Group 14"/>
-          <p:cNvGrpSpPr/>
-          <p:nvPr/>
-        </p:nvGrpSpPr>
-        <p:grpSpPr>
-          <a:xfrm>
-            <a:off x="8571891" y="9258300"/>
-            <a:ext cx="180541" cy="180541"/>
-            <a:chOff x="0" y="0"/>
-            <a:chExt cx="6350000" cy="6350000"/>
-          </a:xfrm>
-        </p:grpSpPr>
-        <p:sp>
-          <p:nvSpPr>
-            <p:cNvPr id="15" name="Freeform 15"/>
-            <p:cNvSpPr/>
-            <p:nvPr/>
-          </p:nvSpPr>
-          <p:spPr>
-            <a:xfrm>
-              <a:off x="14167" y="0"/>
-              <a:ext cx="6321665" cy="6350000"/>
-            </a:xfrm>
-            <a:custGeom>
-              <a:avLst/>
-              <a:gdLst/>
-              <a:ahLst/>
-              <a:cxnLst/>
-              <a:rect l="l" t="t" r="r" b="b"/>
-              <a:pathLst>
-                <a:path w="6321665" h="6350000">
-                  <a:moveTo>
-                    <a:pt x="3160833" y="0"/>
-                  </a:moveTo>
-                  <a:lnTo>
-                    <a:pt x="3160833" y="0"/>
-                  </a:lnTo>
-                  <a:cubicBezTo>
-                    <a:pt x="4908795" y="7817"/>
-                    <a:pt x="6321666" y="1427021"/>
-                    <a:pt x="6321666" y="3175000"/>
-                  </a:cubicBezTo>
-                  <a:cubicBezTo>
-                    <a:pt x="6321666" y="4922979"/>
-                    <a:pt x="4908795" y="6342183"/>
-                    <a:pt x="3160833" y="6350000"/>
-                  </a:cubicBezTo>
-                  <a:cubicBezTo>
-                    <a:pt x="1412871" y="6342183"/>
-                    <a:pt x="0" y="4922979"/>
-                    <a:pt x="0" y="3175000"/>
-                  </a:cubicBezTo>
-                  <a:cubicBezTo>
-                    <a:pt x="0" y="1427021"/>
-                    <a:pt x="1412871" y="7817"/>
-                    <a:pt x="3160833" y="0"/>
-                  </a:cubicBezTo>
-                  <a:close/>
-                </a:path>
-              </a:pathLst>
-            </a:custGeom>
-            <a:solidFill>
-              <a:srgbClr val="FFFFFF"/>
-            </a:solidFill>
-          </p:spPr>
-        </p:sp>
-      </p:grpSp>
-      <p:pic>
-        <p:nvPicPr>
-          <p:cNvPr id="16" name="Picture 16"/>
-          <p:cNvPicPr>
-            <a:picLocks noChangeAspect="1"/>
-          </p:cNvPicPr>
-          <p:nvPr/>
-        </p:nvPicPr>
-        <p:blipFill>
-          <a:blip r:embed="rId12" cstate="print">
-            <a:extLst>
-              <a:ext uri="{28A0092B-C50C-407E-A947-70E740481C1C}">
-                <a14:useLocalDpi xmlns:a14="http://schemas.microsoft.com/office/drawing/2010/main" val="0"/>
-              </a:ext>
-              <a:ext uri="{96DAC541-7B7A-43D3-8B79-37D633B846F1}">
-                <asvg:svgBlip xmlns:asvg="http://schemas.microsoft.com/office/drawing/2016/SVG/main" r:embed="rId13"/>
-              </a:ext>
-            </a:extLst>
-          </a:blip>
-          <a:srcRect/>
-          <a:stretch>
-            <a:fillRect/>
-          </a:stretch>
-        </p:blipFill>
-        <p:spPr>
-          <a:xfrm rot="1683141">
-            <a:off x="1353910" y="3369099"/>
-            <a:ext cx="1477875" cy="832984"/>
-          </a:xfrm>
-          <a:prstGeom prst="rect">
-            <a:avLst/>
-          </a:prstGeom>
-        </p:spPr>
-      </p:pic>
-      <p:pic>
-        <p:nvPicPr>
-          <p:cNvPr id="17" name="Picture 17"/>
-          <p:cNvPicPr>
-            <a:picLocks noChangeAspect="1"/>
-          </p:cNvPicPr>
-          <p:nvPr/>
-        </p:nvPicPr>
-        <p:blipFill>
-          <a:blip r:embed="rId10" cstate="print">
-            <a:extLst>
-              <a:ext uri="{28A0092B-C50C-407E-A947-70E740481C1C}">
-                <a14:useLocalDpi xmlns:a14="http://schemas.microsoft.com/office/drawing/2010/main" val="0"/>
-              </a:ext>
-              <a:ext uri="{96DAC541-7B7A-43D3-8B79-37D633B846F1}">
-                <asvg:svgBlip xmlns:asvg="http://schemas.microsoft.com/office/drawing/2016/SVG/main" r:embed="rId11"/>
-              </a:ext>
-            </a:extLst>
-          </a:blip>
-          <a:srcRect/>
-          <a:stretch>
-            <a:fillRect/>
-          </a:stretch>
-        </p:blipFill>
-        <p:spPr>
-          <a:xfrm rot="-2486699">
-            <a:off x="12938585" y="357299"/>
-            <a:ext cx="834019" cy="1195808"/>
-          </a:xfrm>
-          <a:prstGeom prst="rect">
-            <a:avLst/>
-          </a:prstGeom>
-        </p:spPr>
-      </p:pic>
-      <p:pic>
-        <p:nvPicPr>
-          <p:cNvPr id="18" name="Picture 18"/>
-          <p:cNvPicPr>
-            <a:picLocks noChangeAspect="1"/>
-          </p:cNvPicPr>
-          <p:nvPr/>
-        </p:nvPicPr>
-        <p:blipFill>
-          <a:blip r:embed="rId12" cstate="print">
-            <a:extLst>
-              <a:ext uri="{28A0092B-C50C-407E-A947-70E740481C1C}">
-                <a14:useLocalDpi xmlns:a14="http://schemas.microsoft.com/office/drawing/2010/main" val="0"/>
-              </a:ext>
-              <a:ext uri="{96DAC541-7B7A-43D3-8B79-37D633B846F1}">
-                <asvg:svgBlip xmlns:asvg="http://schemas.microsoft.com/office/drawing/2016/SVG/main" r:embed="rId13"/>
-              </a:ext>
-            </a:extLst>
-          </a:blip>
-          <a:srcRect/>
-          <a:stretch>
-            <a:fillRect/>
-          </a:stretch>
-        </p:blipFill>
-        <p:spPr>
-          <a:xfrm rot="-3034405">
-            <a:off x="15540498" y="8194501"/>
-            <a:ext cx="1429491" cy="805713"/>
-          </a:xfrm>
-          <a:prstGeom prst="rect">
-            <a:avLst/>
-          </a:prstGeom>
-        </p:spPr>
-      </p:pic>
-      <p:grpSp>
-        <p:nvGrpSpPr>
-          <p:cNvPr id="19" name="Group 19"/>
-          <p:cNvGrpSpPr/>
-          <p:nvPr/>
-        </p:nvGrpSpPr>
-        <p:grpSpPr>
-          <a:xfrm>
-            <a:off x="8752432" y="864932"/>
-            <a:ext cx="180541" cy="180541"/>
-            <a:chOff x="0" y="0"/>
-            <a:chExt cx="6350000" cy="6350000"/>
-          </a:xfrm>
-        </p:grpSpPr>
-        <p:sp>
-          <p:nvSpPr>
-            <p:cNvPr id="20" name="Freeform 20"/>
-            <p:cNvSpPr/>
-            <p:nvPr/>
-          </p:nvSpPr>
-          <p:spPr>
-            <a:xfrm>
-              <a:off x="14167" y="0"/>
-              <a:ext cx="6321665" cy="6350000"/>
-            </a:xfrm>
-            <a:custGeom>
-              <a:avLst/>
-              <a:gdLst/>
-              <a:ahLst/>
-              <a:cxnLst/>
-              <a:rect l="l" t="t" r="r" b="b"/>
-              <a:pathLst>
-                <a:path w="6321665" h="6350000">
-                  <a:moveTo>
-                    <a:pt x="3160833" y="0"/>
-                  </a:moveTo>
-                  <a:lnTo>
-                    <a:pt x="3160833" y="0"/>
-                  </a:lnTo>
-                  <a:cubicBezTo>
-                    <a:pt x="4908795" y="7817"/>
-                    <a:pt x="6321666" y="1427021"/>
-                    <a:pt x="6321666" y="3175000"/>
-                  </a:cubicBezTo>
-                  <a:cubicBezTo>
-                    <a:pt x="6321666" y="4922979"/>
-                    <a:pt x="4908795" y="6342183"/>
-                    <a:pt x="3160833" y="6350000"/>
-                  </a:cubicBezTo>
-                  <a:cubicBezTo>
-                    <a:pt x="1412871" y="6342183"/>
-                    <a:pt x="0" y="4922979"/>
-                    <a:pt x="0" y="3175000"/>
-                  </a:cubicBezTo>
-                  <a:cubicBezTo>
-                    <a:pt x="0" y="1427021"/>
-                    <a:pt x="1412871" y="7817"/>
-                    <a:pt x="3160833" y="0"/>
-                  </a:cubicBezTo>
-                  <a:close/>
-                </a:path>
-              </a:pathLst>
-            </a:custGeom>
-            <a:solidFill>
-              <a:srgbClr val="FFFFFF"/>
-            </a:solidFill>
-          </p:spPr>
-        </p:sp>
-      </p:grpSp>
-      <p:grpSp>
-        <p:nvGrpSpPr>
-          <p:cNvPr id="21" name="Group 21"/>
-          <p:cNvGrpSpPr/>
-          <p:nvPr/>
-        </p:nvGrpSpPr>
-        <p:grpSpPr>
-          <a:xfrm>
-            <a:off x="12466713" y="8482193"/>
-            <a:ext cx="180541" cy="180541"/>
-            <a:chOff x="0" y="0"/>
-            <a:chExt cx="6350000" cy="6350000"/>
-          </a:xfrm>
-        </p:grpSpPr>
-        <p:sp>
-          <p:nvSpPr>
-            <p:cNvPr id="22" name="Freeform 22"/>
-            <p:cNvSpPr/>
-            <p:nvPr/>
-          </p:nvSpPr>
-          <p:spPr>
-            <a:xfrm>
-              <a:off x="14167" y="0"/>
-              <a:ext cx="6321665" cy="6350000"/>
-            </a:xfrm>
-            <a:custGeom>
-              <a:avLst/>
-              <a:gdLst/>
-              <a:ahLst/>
-              <a:cxnLst/>
-              <a:rect l="l" t="t" r="r" b="b"/>
-              <a:pathLst>
-                <a:path w="6321665" h="6350000">
-                  <a:moveTo>
-                    <a:pt x="3160833" y="0"/>
-                  </a:moveTo>
-                  <a:lnTo>
-                    <a:pt x="3160833" y="0"/>
-                  </a:lnTo>
-                  <a:cubicBezTo>
-                    <a:pt x="4908795" y="7817"/>
-                    <a:pt x="6321666" y="1427021"/>
-                    <a:pt x="6321666" y="3175000"/>
-                  </a:cubicBezTo>
-                  <a:cubicBezTo>
-                    <a:pt x="6321666" y="4922979"/>
-                    <a:pt x="4908795" y="6342183"/>
-                    <a:pt x="3160833" y="6350000"/>
-                  </a:cubicBezTo>
-                  <a:cubicBezTo>
-                    <a:pt x="1412871" y="6342183"/>
-                    <a:pt x="0" y="4922979"/>
-                    <a:pt x="0" y="3175000"/>
-                  </a:cubicBezTo>
-                  <a:cubicBezTo>
-                    <a:pt x="0" y="1427021"/>
-                    <a:pt x="1412871" y="7817"/>
-                    <a:pt x="3160833" y="0"/>
-                  </a:cubicBezTo>
-                  <a:close/>
-                </a:path>
-              </a:pathLst>
-            </a:custGeom>
-            <a:solidFill>
-              <a:srgbClr val="FFFFFF"/>
-            </a:solidFill>
-          </p:spPr>
-        </p:sp>
-      </p:grpSp>
     </p:spTree>
   </p:cSld>
   <p:clrMapOvr>

--- a/Quiz 01 - Word count & TF-IDF/Unavailable Team _Quiz1.pptx
+++ b/Quiz 01 - Word count & TF-IDF/Unavailable Team _Quiz1.pptx
@@ -7443,8 +7443,8 @@
         </p:nvSpPr>
         <p:spPr>
           <a:xfrm>
-            <a:off x="10212980" y="8888130"/>
-            <a:ext cx="1784870" cy="779059"/>
+            <a:off x="9628065" y="8878304"/>
+            <a:ext cx="2845257" cy="775212"/>
           </a:xfrm>
           <a:prstGeom prst="rect">
             <a:avLst/>
@@ -7462,7 +7462,7 @@
               </a:lnSpc>
             </a:pPr>
             <a:r>
-              <a:rPr lang="en-US" sz="4500" dirty="0">
+              <a:rPr lang="en-US" sz="4400" dirty="0">
                 <a:solidFill>
                   <a:srgbClr val="FFFFFF"/>
                 </a:solidFill>
@@ -9910,44 +9910,6 @@
       </p:sp>
       <p:sp>
         <p:nvSpPr>
-          <p:cNvPr id="37" name="TextBox 37"/>
-          <p:cNvSpPr txBox="1"/>
-          <p:nvPr/>
-        </p:nvSpPr>
-        <p:spPr>
-          <a:xfrm>
-            <a:off x="9713211" y="8877333"/>
-            <a:ext cx="2784409" cy="755650"/>
-          </a:xfrm>
-          <a:prstGeom prst="rect">
-            <a:avLst/>
-          </a:prstGeom>
-        </p:spPr>
-        <p:txBody>
-          <a:bodyPr lIns="0" tIns="0" rIns="0" bIns="0" rtlCol="0" anchor="t">
-            <a:spAutoFit/>
-          </a:bodyPr>
-          <a:lstStyle/>
-          <a:p>
-            <a:pPr algn="ctr">
-              <a:lnSpc>
-                <a:spcPts val="6299"/>
-              </a:lnSpc>
-            </a:pPr>
-            <a:r>
-              <a:rPr lang="en-US" sz="4500">
-                <a:solidFill>
-                  <a:srgbClr val="FFFFFF"/>
-                </a:solidFill>
-                <a:latin typeface="Pridi Regular"/>
-              </a:rPr>
-              <a:t>Subscriber</a:t>
-            </a:r>
-          </a:p>
-        </p:txBody>
-      </p:sp>
-      <p:sp>
-        <p:nvSpPr>
           <p:cNvPr id="38" name="AutoShape 38"/>
           <p:cNvSpPr/>
           <p:nvPr/>
@@ -10065,6 +10027,50 @@
             <a:tailEnd type="arrow" w="med" len="sm"/>
           </a:ln>
         </p:spPr>
+      </p:sp>
+      <p:sp>
+        <p:nvSpPr>
+          <p:cNvPr id="43" name="TextBox 44">
+            <a:extLst>
+              <a:ext uri="{FF2B5EF4-FFF2-40B4-BE49-F238E27FC236}">
+                <a16:creationId xmlns:a16="http://schemas.microsoft.com/office/drawing/2014/main" id="{698B264B-5C3D-4A06-B156-4C3BDFF325CD}"/>
+              </a:ext>
+            </a:extLst>
+          </p:cNvPr>
+          <p:cNvSpPr txBox="1"/>
+          <p:nvPr/>
+        </p:nvSpPr>
+        <p:spPr>
+          <a:xfrm>
+            <a:off x="9620874" y="8975845"/>
+            <a:ext cx="2845257" cy="775212"/>
+          </a:xfrm>
+          <a:prstGeom prst="rect">
+            <a:avLst/>
+          </a:prstGeom>
+        </p:spPr>
+        <p:txBody>
+          <a:bodyPr wrap="square" lIns="0" tIns="0" rIns="0" bIns="0" rtlCol="0" anchor="t">
+            <a:spAutoFit/>
+          </a:bodyPr>
+          <a:lstStyle/>
+          <a:p>
+            <a:pPr algn="ctr">
+              <a:lnSpc>
+                <a:spcPts val="6299"/>
+              </a:lnSpc>
+            </a:pPr>
+            <a:r>
+              <a:rPr lang="en-US" sz="4400" dirty="0">
+                <a:solidFill>
+                  <a:srgbClr val="FFFFFF"/>
+                </a:solidFill>
+                <a:latin typeface="Pridi Regular"/>
+              </a:rPr>
+              <a:t>Client</a:t>
+            </a:r>
+          </a:p>
+        </p:txBody>
       </p:sp>
     </p:spTree>
   </p:cSld>

--- a/Quiz 01 - Word count & TF-IDF/Unavailable Team _Quiz1.pptx
+++ b/Quiz 01 - Word count & TF-IDF/Unavailable Team _Quiz1.pptx
@@ -3882,20 +3882,104 @@
           </p:cNvPicPr>
           <p:nvPr/>
         </p:nvPicPr>
+        <p:blipFill rotWithShape="1">
+          <a:blip r:embed="rId2"/>
+          <a:srcRect b="6376"/>
+          <a:stretch/>
+        </p:blipFill>
+        <p:spPr>
+          <a:xfrm>
+            <a:off x="1675836" y="190500"/>
+            <a:ext cx="13259364" cy="8878217"/>
+          </a:xfrm>
+          <a:prstGeom prst="rect">
+            <a:avLst/>
+          </a:prstGeom>
+        </p:spPr>
+      </p:pic>
+      <p:sp>
+        <p:nvSpPr>
+          <p:cNvPr id="2" name="TextBox 1">
+            <a:extLst>
+              <a:ext uri="{FF2B5EF4-FFF2-40B4-BE49-F238E27FC236}">
+                <a16:creationId xmlns:a16="http://schemas.microsoft.com/office/drawing/2014/main" id="{65957C81-3F38-4DFB-B471-A4412A5FC31A}"/>
+              </a:ext>
+            </a:extLst>
+          </p:cNvPr>
+          <p:cNvSpPr txBox="1"/>
+          <p:nvPr/>
+        </p:nvSpPr>
+        <p:spPr>
+          <a:xfrm>
+            <a:off x="1017563" y="9701578"/>
+            <a:ext cx="12393637" cy="369332"/>
+          </a:xfrm>
+          <a:prstGeom prst="rect">
+            <a:avLst/>
+          </a:prstGeom>
+          <a:noFill/>
+        </p:spPr>
+        <p:txBody>
+          <a:bodyPr wrap="square" rtlCol="0">
+            <a:spAutoFit/>
+          </a:bodyPr>
+          <a:lstStyle/>
+          <a:p>
+            <a:r>
+              <a:rPr lang="en-US" dirty="0">
+                <a:hlinkClick r:id="rId3"/>
+              </a:rPr>
+              <a:t>https://github.com/E4RTTH/Project-Quiz-Real_Time_Analytic/tree/main/Quiz%2001%20-%20Word%20count%20%26%20TF-IDF</a:t>
+            </a:r>
+            <a:endParaRPr lang="en-US" dirty="0"/>
+          </a:p>
+        </p:txBody>
+      </p:sp>
+      <p:pic>
+        <p:nvPicPr>
+          <p:cNvPr id="1026" name="Picture 2">
+            <a:extLst>
+              <a:ext uri="{FF2B5EF4-FFF2-40B4-BE49-F238E27FC236}">
+                <a16:creationId xmlns:a16="http://schemas.microsoft.com/office/drawing/2014/main" id="{EF9F5A0E-9E58-4F78-9BCA-9DD9E2B63603}"/>
+              </a:ext>
+            </a:extLst>
+          </p:cNvPr>
+          <p:cNvPicPr>
+            <a:picLocks noChangeAspect="1" noChangeArrowheads="1"/>
+          </p:cNvPicPr>
+          <p:nvPr/>
+        </p:nvPicPr>
         <p:blipFill>
-          <a:blip r:embed="rId2"/>
+          <a:blip r:embed="rId4" cstate="print">
+            <a:extLst>
+              <a:ext uri="{28A0092B-C50C-407E-A947-70E740481C1C}">
+                <a14:useLocalDpi xmlns:a14="http://schemas.microsoft.com/office/drawing/2010/main" val="0"/>
+              </a:ext>
+            </a:extLst>
+          </a:blip>
+          <a:srcRect/>
           <a:stretch>
             <a:fillRect/>
           </a:stretch>
         </p:blipFill>
-        <p:spPr>
-          <a:xfrm>
-            <a:off x="1752600" y="75282"/>
-            <a:ext cx="14173200" cy="10136435"/>
+        <p:spPr bwMode="auto">
+          <a:xfrm>
+            <a:off x="621268" y="9701578"/>
+            <a:ext cx="369332" cy="369332"/>
           </a:xfrm>
           <a:prstGeom prst="rect">
             <a:avLst/>
           </a:prstGeom>
+          <a:noFill/>
+          <a:extLst>
+            <a:ext uri="{909E8E84-426E-40DD-AFC4-6F175D3DCCD1}">
+              <a14:hiddenFill xmlns:a14="http://schemas.microsoft.com/office/drawing/2010/main">
+                <a:solidFill>
+                  <a:srgbClr val="FFFFFF"/>
+                </a:solidFill>
+              </a14:hiddenFill>
+            </a:ext>
+          </a:extLst>
         </p:spPr>
       </p:pic>
     </p:spTree>
